--- a/docs/SE_Mini Project_Presentation1_2021-2022_Group_14.pptx
+++ b/docs/SE_Mini Project_Presentation1_2021-2022_Group_14.pptx
@@ -14,13 +14,12 @@
     <p:sldId id="261" r:id="rId8"/>
     <p:sldId id="263" r:id="rId9"/>
     <p:sldId id="264" r:id="rId10"/>
-    <p:sldId id="265" r:id="rId11"/>
-    <p:sldId id="267" r:id="rId12"/>
-    <p:sldId id="268" r:id="rId13"/>
-    <p:sldId id="269" r:id="rId14"/>
-    <p:sldId id="270" r:id="rId15"/>
-    <p:sldId id="271" r:id="rId16"/>
-    <p:sldId id="266" r:id="rId17"/>
+    <p:sldId id="267" r:id="rId11"/>
+    <p:sldId id="268" r:id="rId12"/>
+    <p:sldId id="269" r:id="rId13"/>
+    <p:sldId id="270" r:id="rId14"/>
+    <p:sldId id="271" r:id="rId15"/>
+    <p:sldId id="266" r:id="rId16"/>
   </p:sldIdLst>
   <p:sldSz cx="9144000" cy="5143500" type="screen16x9"/>
   <p:notesSz cx="6858000" cy="9144000"/>
@@ -283,8 +282,8 @@
   </pc:docChgLst>
   <pc:docChgLst>
     <pc:chgData name="Smit Panchal" userId="7932297be859e8fc" providerId="LiveId" clId="{B7993385-9403-4393-957A-D10A0FC4D781}"/>
-    <pc:docChg chg="custSel addSld modSld">
-      <pc:chgData name="Smit Panchal" userId="7932297be859e8fc" providerId="LiveId" clId="{B7993385-9403-4393-957A-D10A0FC4D781}" dt="2022-04-03T17:22:02.239" v="1030" actId="20577"/>
+    <pc:docChg chg="undo custSel addSld delSld modSld">
+      <pc:chgData name="Smit Panchal" userId="7932297be859e8fc" providerId="LiveId" clId="{B7993385-9403-4393-957A-D10A0FC4D781}" dt="2022-04-12T18:17:43.367" v="1961" actId="1076"/>
       <pc:docMkLst>
         <pc:docMk/>
       </pc:docMkLst>
@@ -362,6 +361,97 @@
             <ac:spMk id="97" creationId="{00000000-0000-0000-0000-000000000000}"/>
           </ac:spMkLst>
         </pc:spChg>
+      </pc:sldChg>
+      <pc:sldChg chg="del">
+        <pc:chgData name="Smit Panchal" userId="7932297be859e8fc" providerId="LiveId" clId="{B7993385-9403-4393-957A-D10A0FC4D781}" dt="2022-04-12T18:03:04.226" v="1077" actId="2696"/>
+        <pc:sldMkLst>
+          <pc:docMk/>
+          <pc:sldMk cId="0" sldId="265"/>
+        </pc:sldMkLst>
+      </pc:sldChg>
+      <pc:sldChg chg="modSp mod">
+        <pc:chgData name="Smit Panchal" userId="7932297be859e8fc" providerId="LiveId" clId="{B7993385-9403-4393-957A-D10A0FC4D781}" dt="2022-04-12T18:02:38.453" v="1075" actId="404"/>
+        <pc:sldMkLst>
+          <pc:docMk/>
+          <pc:sldMk cId="2819646261" sldId="267"/>
+        </pc:sldMkLst>
+        <pc:spChg chg="mod">
+          <ac:chgData name="Smit Panchal" userId="7932297be859e8fc" providerId="LiveId" clId="{B7993385-9403-4393-957A-D10A0FC4D781}" dt="2022-04-12T18:02:38.453" v="1075" actId="404"/>
+          <ac:spMkLst>
+            <pc:docMk/>
+            <pc:sldMk cId="2819646261" sldId="267"/>
+            <ac:spMk id="99" creationId="{00000000-0000-0000-0000-000000000000}"/>
+          </ac:spMkLst>
+        </pc:spChg>
+      </pc:sldChg>
+      <pc:sldChg chg="modSp mod">
+        <pc:chgData name="Smit Panchal" userId="7932297be859e8fc" providerId="LiveId" clId="{B7993385-9403-4393-957A-D10A0FC4D781}" dt="2022-04-12T18:04:03.829" v="1100" actId="404"/>
+        <pc:sldMkLst>
+          <pc:docMk/>
+          <pc:sldMk cId="2195857904" sldId="268"/>
+        </pc:sldMkLst>
+        <pc:spChg chg="mod">
+          <ac:chgData name="Smit Panchal" userId="7932297be859e8fc" providerId="LiveId" clId="{B7993385-9403-4393-957A-D10A0FC4D781}" dt="2022-04-12T18:04:03.829" v="1100" actId="404"/>
+          <ac:spMkLst>
+            <pc:docMk/>
+            <pc:sldMk cId="2195857904" sldId="268"/>
+            <ac:spMk id="99" creationId="{00000000-0000-0000-0000-000000000000}"/>
+          </ac:spMkLst>
+        </pc:spChg>
+      </pc:sldChg>
+      <pc:sldChg chg="addSp modSp mod">
+        <pc:chgData name="Smit Panchal" userId="7932297be859e8fc" providerId="LiveId" clId="{B7993385-9403-4393-957A-D10A0FC4D781}" dt="2022-04-12T18:17:43.367" v="1961" actId="1076"/>
+        <pc:sldMkLst>
+          <pc:docMk/>
+          <pc:sldMk cId="3215882174" sldId="269"/>
+        </pc:sldMkLst>
+        <pc:spChg chg="add mod">
+          <ac:chgData name="Smit Panchal" userId="7932297be859e8fc" providerId="LiveId" clId="{B7993385-9403-4393-957A-D10A0FC4D781}" dt="2022-04-12T18:17:43.367" v="1961" actId="1076"/>
+          <ac:spMkLst>
+            <pc:docMk/>
+            <pc:sldMk cId="3215882174" sldId="269"/>
+            <ac:spMk id="2" creationId="{C78E7EC3-02B7-47F4-BE08-F7A521CAFEEB}"/>
+          </ac:spMkLst>
+        </pc:spChg>
+        <pc:spChg chg="mod">
+          <ac:chgData name="Smit Panchal" userId="7932297be859e8fc" providerId="LiveId" clId="{B7993385-9403-4393-957A-D10A0FC4D781}" dt="2022-04-12T18:17:39.604" v="1960" actId="1076"/>
+          <ac:spMkLst>
+            <pc:docMk/>
+            <pc:sldMk cId="3215882174" sldId="269"/>
+            <ac:spMk id="4" creationId="{F788EA88-4AB5-4A49-BBA1-CCC497A15157}"/>
+          </ac:spMkLst>
+        </pc:spChg>
+      </pc:sldChg>
+      <pc:sldChg chg="addSp modSp mod">
+        <pc:chgData name="Smit Panchal" userId="7932297be859e8fc" providerId="LiveId" clId="{B7993385-9403-4393-957A-D10A0FC4D781}" dt="2022-04-12T18:08:27.536" v="1119" actId="14100"/>
+        <pc:sldMkLst>
+          <pc:docMk/>
+          <pc:sldMk cId="1396659004" sldId="270"/>
+        </pc:sldMkLst>
+        <pc:spChg chg="mod">
+          <ac:chgData name="Smit Panchal" userId="7932297be859e8fc" providerId="LiveId" clId="{B7993385-9403-4393-957A-D10A0FC4D781}" dt="2022-04-12T18:08:27.002" v="1118" actId="1076"/>
+          <ac:spMkLst>
+            <pc:docMk/>
+            <pc:sldMk cId="1396659004" sldId="270"/>
+            <ac:spMk id="2" creationId="{53C36289-590A-4066-B17C-7DFFF4131095}"/>
+          </ac:spMkLst>
+        </pc:spChg>
+        <pc:graphicFrameChg chg="mod">
+          <ac:chgData name="Smit Panchal" userId="7932297be859e8fc" providerId="LiveId" clId="{B7993385-9403-4393-957A-D10A0FC4D781}" dt="2022-04-12T18:05:34.188" v="1105" actId="478"/>
+          <ac:graphicFrameMkLst>
+            <pc:docMk/>
+            <pc:sldMk cId="1396659004" sldId="270"/>
+            <ac:graphicFrameMk id="11" creationId="{AD4899DB-BA86-4280-B274-F7C9B8855CDE}"/>
+          </ac:graphicFrameMkLst>
+        </pc:graphicFrameChg>
+        <pc:picChg chg="add mod">
+          <ac:chgData name="Smit Panchal" userId="7932297be859e8fc" providerId="LiveId" clId="{B7993385-9403-4393-957A-D10A0FC4D781}" dt="2022-04-12T18:08:27.536" v="1119" actId="14100"/>
+          <ac:picMkLst>
+            <pc:docMk/>
+            <pc:sldMk cId="1396659004" sldId="270"/>
+            <ac:picMk id="4" creationId="{D139868F-820B-4579-94B4-32E3F6E81095}"/>
+          </ac:picMkLst>
+        </pc:picChg>
       </pc:sldChg>
       <pc:sldChg chg="new">
         <pc:chgData name="Smit Panchal" userId="7932297be859e8fc" providerId="LiveId" clId="{B7993385-9403-4393-957A-D10A0FC4D781}" dt="2022-04-03T16:24:20.952" v="22" actId="680"/>
@@ -1171,186 +1261,6 @@
         </a:p>
       </dgm:t>
     </dgm:pt>
-    <dgm:pt modelId="{D8A09188-A600-4CE0-881B-934CFBA91B70}">
-      <dgm:prSet phldrT="[Text]"/>
-      <dgm:spPr/>
-      <dgm:t>
-        <a:bodyPr/>
-        <a:lstStyle/>
-        <a:p>
-          <a:r>
-            <a:rPr lang="en-IN" dirty="0"/>
-            <a:t>User Interface</a:t>
-          </a:r>
-        </a:p>
-      </dgm:t>
-    </dgm:pt>
-    <dgm:pt modelId="{EEC4F161-BF82-43FC-8F8D-710907411F29}" type="parTrans" cxnId="{24A4BE44-C874-4E8E-8E5F-BE1B63236BEE}">
-      <dgm:prSet/>
-      <dgm:spPr/>
-      <dgm:t>
-        <a:bodyPr/>
-        <a:lstStyle/>
-        <a:p>
-          <a:endParaRPr lang="en-IN"/>
-        </a:p>
-      </dgm:t>
-    </dgm:pt>
-    <dgm:pt modelId="{4B18C210-4671-4172-BC4C-BEB593360B86}" type="sibTrans" cxnId="{24A4BE44-C874-4E8E-8E5F-BE1B63236BEE}">
-      <dgm:prSet/>
-      <dgm:spPr/>
-      <dgm:t>
-        <a:bodyPr/>
-        <a:lstStyle/>
-        <a:p>
-          <a:endParaRPr lang="en-IN"/>
-        </a:p>
-      </dgm:t>
-    </dgm:pt>
-    <dgm:pt modelId="{A1FEF3A5-2F14-4918-BC36-88D5A06C2B35}">
-      <dgm:prSet phldrT="[Text]"/>
-      <dgm:spPr/>
-      <dgm:t>
-        <a:bodyPr/>
-        <a:lstStyle/>
-        <a:p>
-          <a:r>
-            <a:rPr lang="en-IN" dirty="0"/>
-            <a:t>Login/Signup</a:t>
-          </a:r>
-        </a:p>
-      </dgm:t>
-    </dgm:pt>
-    <dgm:pt modelId="{5023475F-DC27-41E2-A358-977FA5850233}" type="parTrans" cxnId="{CAE85130-7E41-4D5B-B081-535AA88B8D9D}">
-      <dgm:prSet/>
-      <dgm:spPr/>
-      <dgm:t>
-        <a:bodyPr/>
-        <a:lstStyle/>
-        <a:p>
-          <a:endParaRPr lang="en-IN"/>
-        </a:p>
-      </dgm:t>
-    </dgm:pt>
-    <dgm:pt modelId="{3EAAC177-DCEF-4C77-8C5B-27409CAA719A}" type="sibTrans" cxnId="{CAE85130-7E41-4D5B-B081-535AA88B8D9D}">
-      <dgm:prSet/>
-      <dgm:spPr/>
-      <dgm:t>
-        <a:bodyPr/>
-        <a:lstStyle/>
-        <a:p>
-          <a:endParaRPr lang="en-IN"/>
-        </a:p>
-      </dgm:t>
-    </dgm:pt>
-    <dgm:pt modelId="{8B09F217-EB57-4C53-BCB4-256DD120CBE9}">
-      <dgm:prSet phldrT="[Text]"/>
-      <dgm:spPr/>
-      <dgm:t>
-        <a:bodyPr/>
-        <a:lstStyle/>
-        <a:p>
-          <a:r>
-            <a:rPr lang="en-IN" dirty="0"/>
-            <a:t>Create your New ID Card</a:t>
-          </a:r>
-        </a:p>
-      </dgm:t>
-    </dgm:pt>
-    <dgm:pt modelId="{4C6DAFF6-89C4-44F9-BF96-0BC378F58E16}" type="parTrans" cxnId="{0671CA82-965A-458D-92E3-20A70810DDEE}">
-      <dgm:prSet/>
-      <dgm:spPr/>
-      <dgm:t>
-        <a:bodyPr/>
-        <a:lstStyle/>
-        <a:p>
-          <a:endParaRPr lang="en-IN"/>
-        </a:p>
-      </dgm:t>
-    </dgm:pt>
-    <dgm:pt modelId="{6030D854-3809-4202-8620-4CEEFF5412F2}" type="sibTrans" cxnId="{0671CA82-965A-458D-92E3-20A70810DDEE}">
-      <dgm:prSet/>
-      <dgm:spPr/>
-      <dgm:t>
-        <a:bodyPr/>
-        <a:lstStyle/>
-        <a:p>
-          <a:endParaRPr lang="en-IN"/>
-        </a:p>
-      </dgm:t>
-    </dgm:pt>
-    <dgm:pt modelId="{542AFF0C-587D-45ED-8DEC-28E0790B76DF}">
-      <dgm:prSet phldrT="[Text]"/>
-      <dgm:spPr/>
-      <dgm:t>
-        <a:bodyPr/>
-        <a:lstStyle/>
-        <a:p>
-          <a:r>
-            <a:rPr lang="en-IN" dirty="0"/>
-            <a:t>Print your ID Card</a:t>
-          </a:r>
-        </a:p>
-      </dgm:t>
-    </dgm:pt>
-    <dgm:pt modelId="{2B917A0A-86D1-4A65-BFC7-4EAAE2C06170}" type="parTrans" cxnId="{44184A67-55AE-428E-8D0F-B3EA87B0F431}">
-      <dgm:prSet/>
-      <dgm:spPr/>
-      <dgm:t>
-        <a:bodyPr/>
-        <a:lstStyle/>
-        <a:p>
-          <a:endParaRPr lang="en-IN"/>
-        </a:p>
-      </dgm:t>
-    </dgm:pt>
-    <dgm:pt modelId="{C33E6754-ECB6-4B8C-A665-A1D53C33C76D}" type="sibTrans" cxnId="{44184A67-55AE-428E-8D0F-B3EA87B0F431}">
-      <dgm:prSet/>
-      <dgm:spPr/>
-      <dgm:t>
-        <a:bodyPr/>
-        <a:lstStyle/>
-        <a:p>
-          <a:endParaRPr lang="en-IN"/>
-        </a:p>
-      </dgm:t>
-    </dgm:pt>
-    <dgm:pt modelId="{4C4E42AA-42B7-4DDD-8A56-B369AA349334}">
-      <dgm:prSet phldrT="[Text]"/>
-      <dgm:spPr/>
-      <dgm:t>
-        <a:bodyPr/>
-        <a:lstStyle/>
-        <a:p>
-          <a:r>
-            <a:rPr lang="en-IN" dirty="0"/>
-            <a:t>Logout</a:t>
-          </a:r>
-        </a:p>
-      </dgm:t>
-    </dgm:pt>
-    <dgm:pt modelId="{50B09E9D-191C-4FD4-B558-232E8A4CD412}" type="parTrans" cxnId="{68533AE2-D8C1-4EDC-8817-80EB1E363D2B}">
-      <dgm:prSet/>
-      <dgm:spPr/>
-      <dgm:t>
-        <a:bodyPr/>
-        <a:lstStyle/>
-        <a:p>
-          <a:endParaRPr lang="en-IN"/>
-        </a:p>
-      </dgm:t>
-    </dgm:pt>
-    <dgm:pt modelId="{A8FA74D5-B582-4E46-A992-DE7B1C6D3ADA}" type="sibTrans" cxnId="{68533AE2-D8C1-4EDC-8817-80EB1E363D2B}">
-      <dgm:prSet/>
-      <dgm:spPr/>
-      <dgm:t>
-        <a:bodyPr/>
-        <a:lstStyle/>
-        <a:p>
-          <a:endParaRPr lang="en-IN"/>
-        </a:p>
-      </dgm:t>
-    </dgm:pt>
     <dgm:pt modelId="{B5E9DE36-2808-4C22-86E3-574E73198F7B}" type="pres">
       <dgm:prSet presAssocID="{2FD4D188-04AA-42AD-8B09-B1BC9CFAC0F3}" presName="Name0" presStyleCnt="0">
         <dgm:presLayoutVars>
@@ -1360,112 +1270,9 @@
       </dgm:prSet>
       <dgm:spPr/>
     </dgm:pt>
-    <dgm:pt modelId="{0F20C581-10BC-42C4-91AA-6D00465CD045}" type="pres">
-      <dgm:prSet presAssocID="{D8A09188-A600-4CE0-881B-934CFBA91B70}" presName="node" presStyleLbl="node1" presStyleIdx="0" presStyleCnt="5">
-        <dgm:presLayoutVars>
-          <dgm:bulletEnabled val="1"/>
-        </dgm:presLayoutVars>
-      </dgm:prSet>
-      <dgm:spPr/>
-    </dgm:pt>
-    <dgm:pt modelId="{6EEB1FC7-E794-4FF5-9801-1EE6FD1DC4E3}" type="pres">
-      <dgm:prSet presAssocID="{4B18C210-4671-4172-BC4C-BEB593360B86}" presName="sibTrans" presStyleLbl="sibTrans1D1" presStyleIdx="0" presStyleCnt="4"/>
-      <dgm:spPr/>
-    </dgm:pt>
-    <dgm:pt modelId="{1159F3BB-42BC-4803-AD13-B0FEE74DF55D}" type="pres">
-      <dgm:prSet presAssocID="{4B18C210-4671-4172-BC4C-BEB593360B86}" presName="connectorText" presStyleLbl="sibTrans1D1" presStyleIdx="0" presStyleCnt="4"/>
-      <dgm:spPr/>
-    </dgm:pt>
-    <dgm:pt modelId="{1D6A4787-64E5-4F0C-A627-7068766DE71C}" type="pres">
-      <dgm:prSet presAssocID="{A1FEF3A5-2F14-4918-BC36-88D5A06C2B35}" presName="node" presStyleLbl="node1" presStyleIdx="1" presStyleCnt="5">
-        <dgm:presLayoutVars>
-          <dgm:bulletEnabled val="1"/>
-        </dgm:presLayoutVars>
-      </dgm:prSet>
-      <dgm:spPr/>
-    </dgm:pt>
-    <dgm:pt modelId="{242F5A96-7B80-4915-AA1E-832B42146F83}" type="pres">
-      <dgm:prSet presAssocID="{3EAAC177-DCEF-4C77-8C5B-27409CAA719A}" presName="sibTrans" presStyleLbl="sibTrans1D1" presStyleIdx="1" presStyleCnt="4"/>
-      <dgm:spPr/>
-    </dgm:pt>
-    <dgm:pt modelId="{94EF008C-7FD2-4EF3-9298-4B191803DEE6}" type="pres">
-      <dgm:prSet presAssocID="{3EAAC177-DCEF-4C77-8C5B-27409CAA719A}" presName="connectorText" presStyleLbl="sibTrans1D1" presStyleIdx="1" presStyleCnt="4"/>
-      <dgm:spPr/>
-    </dgm:pt>
-    <dgm:pt modelId="{490E3A8C-B0A7-4BA6-BF55-C3476CEF0729}" type="pres">
-      <dgm:prSet presAssocID="{8B09F217-EB57-4C53-BCB4-256DD120CBE9}" presName="node" presStyleLbl="node1" presStyleIdx="2" presStyleCnt="5">
-        <dgm:presLayoutVars>
-          <dgm:bulletEnabled val="1"/>
-        </dgm:presLayoutVars>
-      </dgm:prSet>
-      <dgm:spPr/>
-    </dgm:pt>
-    <dgm:pt modelId="{7DCA5C35-2001-421A-84E2-23298C2AC932}" type="pres">
-      <dgm:prSet presAssocID="{6030D854-3809-4202-8620-4CEEFF5412F2}" presName="sibTrans" presStyleLbl="sibTrans1D1" presStyleIdx="2" presStyleCnt="4"/>
-      <dgm:spPr/>
-    </dgm:pt>
-    <dgm:pt modelId="{BB22679B-A762-4094-AD7D-B76CADE2292A}" type="pres">
-      <dgm:prSet presAssocID="{6030D854-3809-4202-8620-4CEEFF5412F2}" presName="connectorText" presStyleLbl="sibTrans1D1" presStyleIdx="2" presStyleCnt="4"/>
-      <dgm:spPr/>
-    </dgm:pt>
-    <dgm:pt modelId="{2F0B800C-6369-42FA-8BB4-CF26C6F757BE}" type="pres">
-      <dgm:prSet presAssocID="{542AFF0C-587D-45ED-8DEC-28E0790B76DF}" presName="node" presStyleLbl="node1" presStyleIdx="3" presStyleCnt="5">
-        <dgm:presLayoutVars>
-          <dgm:bulletEnabled val="1"/>
-        </dgm:presLayoutVars>
-      </dgm:prSet>
-      <dgm:spPr/>
-    </dgm:pt>
-    <dgm:pt modelId="{40D83E02-2A34-48F9-B3C2-907C147C8510}" type="pres">
-      <dgm:prSet presAssocID="{C33E6754-ECB6-4B8C-A665-A1D53C33C76D}" presName="sibTrans" presStyleLbl="sibTrans1D1" presStyleIdx="3" presStyleCnt="4"/>
-      <dgm:spPr/>
-    </dgm:pt>
-    <dgm:pt modelId="{E58CDC6C-DC6D-4CC8-9C40-72C3BC4D062C}" type="pres">
-      <dgm:prSet presAssocID="{C33E6754-ECB6-4B8C-A665-A1D53C33C76D}" presName="connectorText" presStyleLbl="sibTrans1D1" presStyleIdx="3" presStyleCnt="4"/>
-      <dgm:spPr/>
-    </dgm:pt>
-    <dgm:pt modelId="{71BB5AC8-65AC-4EF1-A140-62055755E8A9}" type="pres">
-      <dgm:prSet presAssocID="{4C4E42AA-42B7-4DDD-8A56-B369AA349334}" presName="node" presStyleLbl="node1" presStyleIdx="4" presStyleCnt="5">
-        <dgm:presLayoutVars>
-          <dgm:bulletEnabled val="1"/>
-        </dgm:presLayoutVars>
-      </dgm:prSet>
-      <dgm:spPr/>
-    </dgm:pt>
   </dgm:ptLst>
   <dgm:cxnLst>
-    <dgm:cxn modelId="{93A81404-B7DA-44BC-970C-1184D7D8A4CE}" type="presOf" srcId="{C33E6754-ECB6-4B8C-A665-A1D53C33C76D}" destId="{E58CDC6C-DC6D-4CC8-9C40-72C3BC4D062C}" srcOrd="1" destOrd="0" presId="urn:microsoft.com/office/officeart/2005/8/layout/bProcess3"/>
     <dgm:cxn modelId="{0B6CA31C-93A1-48F2-948D-13199381DFC8}" type="presOf" srcId="{2FD4D188-04AA-42AD-8B09-B1BC9CFAC0F3}" destId="{B5E9DE36-2808-4C22-86E3-574E73198F7B}" srcOrd="0" destOrd="0" presId="urn:microsoft.com/office/officeart/2005/8/layout/bProcess3"/>
-    <dgm:cxn modelId="{8FBCD020-2CC4-49E1-B447-5E06DDF3EFB1}" type="presOf" srcId="{542AFF0C-587D-45ED-8DEC-28E0790B76DF}" destId="{2F0B800C-6369-42FA-8BB4-CF26C6F757BE}" srcOrd="0" destOrd="0" presId="urn:microsoft.com/office/officeart/2005/8/layout/bProcess3"/>
-    <dgm:cxn modelId="{CAE85130-7E41-4D5B-B081-535AA88B8D9D}" srcId="{2FD4D188-04AA-42AD-8B09-B1BC9CFAC0F3}" destId="{A1FEF3A5-2F14-4918-BC36-88D5A06C2B35}" srcOrd="1" destOrd="0" parTransId="{5023475F-DC27-41E2-A358-977FA5850233}" sibTransId="{3EAAC177-DCEF-4C77-8C5B-27409CAA719A}"/>
-    <dgm:cxn modelId="{4FCAC542-4F41-49E9-927C-03153CA0616C}" type="presOf" srcId="{3EAAC177-DCEF-4C77-8C5B-27409CAA719A}" destId="{242F5A96-7B80-4915-AA1E-832B42146F83}" srcOrd="0" destOrd="0" presId="urn:microsoft.com/office/officeart/2005/8/layout/bProcess3"/>
-    <dgm:cxn modelId="{612DEC43-7843-4836-A226-643CC761A787}" type="presOf" srcId="{4C4E42AA-42B7-4DDD-8A56-B369AA349334}" destId="{71BB5AC8-65AC-4EF1-A140-62055755E8A9}" srcOrd="0" destOrd="0" presId="urn:microsoft.com/office/officeart/2005/8/layout/bProcess3"/>
-    <dgm:cxn modelId="{24A4BE44-C874-4E8E-8E5F-BE1B63236BEE}" srcId="{2FD4D188-04AA-42AD-8B09-B1BC9CFAC0F3}" destId="{D8A09188-A600-4CE0-881B-934CFBA91B70}" srcOrd="0" destOrd="0" parTransId="{EEC4F161-BF82-43FC-8F8D-710907411F29}" sibTransId="{4B18C210-4671-4172-BC4C-BEB593360B86}"/>
-    <dgm:cxn modelId="{44184A67-55AE-428E-8D0F-B3EA87B0F431}" srcId="{2FD4D188-04AA-42AD-8B09-B1BC9CFAC0F3}" destId="{542AFF0C-587D-45ED-8DEC-28E0790B76DF}" srcOrd="3" destOrd="0" parTransId="{2B917A0A-86D1-4A65-BFC7-4EAAE2C06170}" sibTransId="{C33E6754-ECB6-4B8C-A665-A1D53C33C76D}"/>
-    <dgm:cxn modelId="{03F88C70-66B1-470E-9AB3-B6C7E087D9EB}" type="presOf" srcId="{4B18C210-4671-4172-BC4C-BEB593360B86}" destId="{6EEB1FC7-E794-4FF5-9801-1EE6FD1DC4E3}" srcOrd="0" destOrd="0" presId="urn:microsoft.com/office/officeart/2005/8/layout/bProcess3"/>
-    <dgm:cxn modelId="{56CFF273-B724-4CCD-8199-80CC6CDBAA8D}" type="presOf" srcId="{A1FEF3A5-2F14-4918-BC36-88D5A06C2B35}" destId="{1D6A4787-64E5-4F0C-A627-7068766DE71C}" srcOrd="0" destOrd="0" presId="urn:microsoft.com/office/officeart/2005/8/layout/bProcess3"/>
-    <dgm:cxn modelId="{6F76D174-9A5D-4D43-A0F9-D9B53D1C0E82}" type="presOf" srcId="{6030D854-3809-4202-8620-4CEEFF5412F2}" destId="{BB22679B-A762-4094-AD7D-B76CADE2292A}" srcOrd="1" destOrd="0" presId="urn:microsoft.com/office/officeart/2005/8/layout/bProcess3"/>
-    <dgm:cxn modelId="{A975B679-5040-4417-9AF7-90309F4A9968}" type="presOf" srcId="{4B18C210-4671-4172-BC4C-BEB593360B86}" destId="{1159F3BB-42BC-4803-AD13-B0FEE74DF55D}" srcOrd="1" destOrd="0" presId="urn:microsoft.com/office/officeart/2005/8/layout/bProcess3"/>
-    <dgm:cxn modelId="{E86CF17A-233A-4B75-9575-6BF2CA90ACE0}" type="presOf" srcId="{D8A09188-A600-4CE0-881B-934CFBA91B70}" destId="{0F20C581-10BC-42C4-91AA-6D00465CD045}" srcOrd="0" destOrd="0" presId="urn:microsoft.com/office/officeart/2005/8/layout/bProcess3"/>
-    <dgm:cxn modelId="{0671CA82-965A-458D-92E3-20A70810DDEE}" srcId="{2FD4D188-04AA-42AD-8B09-B1BC9CFAC0F3}" destId="{8B09F217-EB57-4C53-BCB4-256DD120CBE9}" srcOrd="2" destOrd="0" parTransId="{4C6DAFF6-89C4-44F9-BF96-0BC378F58E16}" sibTransId="{6030D854-3809-4202-8620-4CEEFF5412F2}"/>
-    <dgm:cxn modelId="{D3C2EBBE-4852-4CA1-9EB1-4E92AACBEC00}" type="presOf" srcId="{8B09F217-EB57-4C53-BCB4-256DD120CBE9}" destId="{490E3A8C-B0A7-4BA6-BF55-C3476CEF0729}" srcOrd="0" destOrd="0" presId="urn:microsoft.com/office/officeart/2005/8/layout/bProcess3"/>
-    <dgm:cxn modelId="{306607C1-AF1A-49A6-B300-1FAE9ABD54E2}" type="presOf" srcId="{6030D854-3809-4202-8620-4CEEFF5412F2}" destId="{7DCA5C35-2001-421A-84E2-23298C2AC932}" srcOrd="0" destOrd="0" presId="urn:microsoft.com/office/officeart/2005/8/layout/bProcess3"/>
-    <dgm:cxn modelId="{5F5CF8DE-BAF4-4132-8603-000CCAD7C01B}" type="presOf" srcId="{3EAAC177-DCEF-4C77-8C5B-27409CAA719A}" destId="{94EF008C-7FD2-4EF3-9298-4B191803DEE6}" srcOrd="1" destOrd="0" presId="urn:microsoft.com/office/officeart/2005/8/layout/bProcess3"/>
-    <dgm:cxn modelId="{68533AE2-D8C1-4EDC-8817-80EB1E363D2B}" srcId="{2FD4D188-04AA-42AD-8B09-B1BC9CFAC0F3}" destId="{4C4E42AA-42B7-4DDD-8A56-B369AA349334}" srcOrd="4" destOrd="0" parTransId="{50B09E9D-191C-4FD4-B558-232E8A4CD412}" sibTransId="{A8FA74D5-B582-4E46-A992-DE7B1C6D3ADA}"/>
-    <dgm:cxn modelId="{791DD9E4-0F02-4137-9C32-43F8719D67F7}" type="presOf" srcId="{C33E6754-ECB6-4B8C-A665-A1D53C33C76D}" destId="{40D83E02-2A34-48F9-B3C2-907C147C8510}" srcOrd="0" destOrd="0" presId="urn:microsoft.com/office/officeart/2005/8/layout/bProcess3"/>
-    <dgm:cxn modelId="{C7A4C3E2-6D2B-45BE-8301-8507C4A440D5}" type="presParOf" srcId="{B5E9DE36-2808-4C22-86E3-574E73198F7B}" destId="{0F20C581-10BC-42C4-91AA-6D00465CD045}" srcOrd="0" destOrd="0" presId="urn:microsoft.com/office/officeart/2005/8/layout/bProcess3"/>
-    <dgm:cxn modelId="{D6304F8E-105D-400A-896C-8D5791F6EBE4}" type="presParOf" srcId="{B5E9DE36-2808-4C22-86E3-574E73198F7B}" destId="{6EEB1FC7-E794-4FF5-9801-1EE6FD1DC4E3}" srcOrd="1" destOrd="0" presId="urn:microsoft.com/office/officeart/2005/8/layout/bProcess3"/>
-    <dgm:cxn modelId="{8DD1E1FE-E2C5-4B91-B2E5-4E68CB03BF18}" type="presParOf" srcId="{6EEB1FC7-E794-4FF5-9801-1EE6FD1DC4E3}" destId="{1159F3BB-42BC-4803-AD13-B0FEE74DF55D}" srcOrd="0" destOrd="0" presId="urn:microsoft.com/office/officeart/2005/8/layout/bProcess3"/>
-    <dgm:cxn modelId="{796AC1FE-5BFE-46DB-91E3-7745469205B2}" type="presParOf" srcId="{B5E9DE36-2808-4C22-86E3-574E73198F7B}" destId="{1D6A4787-64E5-4F0C-A627-7068766DE71C}" srcOrd="2" destOrd="0" presId="urn:microsoft.com/office/officeart/2005/8/layout/bProcess3"/>
-    <dgm:cxn modelId="{B4ED44B8-2C6F-4DF7-834D-BCB5CC9530BF}" type="presParOf" srcId="{B5E9DE36-2808-4C22-86E3-574E73198F7B}" destId="{242F5A96-7B80-4915-AA1E-832B42146F83}" srcOrd="3" destOrd="0" presId="urn:microsoft.com/office/officeart/2005/8/layout/bProcess3"/>
-    <dgm:cxn modelId="{61E814A9-A675-4E15-9B2A-4ABCA75ECCCB}" type="presParOf" srcId="{242F5A96-7B80-4915-AA1E-832B42146F83}" destId="{94EF008C-7FD2-4EF3-9298-4B191803DEE6}" srcOrd="0" destOrd="0" presId="urn:microsoft.com/office/officeart/2005/8/layout/bProcess3"/>
-    <dgm:cxn modelId="{D208ABB5-5005-4558-B9E2-18D85DC948BD}" type="presParOf" srcId="{B5E9DE36-2808-4C22-86E3-574E73198F7B}" destId="{490E3A8C-B0A7-4BA6-BF55-C3476CEF0729}" srcOrd="4" destOrd="0" presId="urn:microsoft.com/office/officeart/2005/8/layout/bProcess3"/>
-    <dgm:cxn modelId="{5195D84A-D482-498E-8203-13AAA1F353FA}" type="presParOf" srcId="{B5E9DE36-2808-4C22-86E3-574E73198F7B}" destId="{7DCA5C35-2001-421A-84E2-23298C2AC932}" srcOrd="5" destOrd="0" presId="urn:microsoft.com/office/officeart/2005/8/layout/bProcess3"/>
-    <dgm:cxn modelId="{48D1CD80-62F5-4085-B392-171F19B1B58B}" type="presParOf" srcId="{7DCA5C35-2001-421A-84E2-23298C2AC932}" destId="{BB22679B-A762-4094-AD7D-B76CADE2292A}" srcOrd="0" destOrd="0" presId="urn:microsoft.com/office/officeart/2005/8/layout/bProcess3"/>
-    <dgm:cxn modelId="{20B6A821-84FB-49FE-95E0-8B62C67E319A}" type="presParOf" srcId="{B5E9DE36-2808-4C22-86E3-574E73198F7B}" destId="{2F0B800C-6369-42FA-8BB4-CF26C6F757BE}" srcOrd="6" destOrd="0" presId="urn:microsoft.com/office/officeart/2005/8/layout/bProcess3"/>
-    <dgm:cxn modelId="{2E0FEAB4-C91F-49CD-9A9C-31E990710ADA}" type="presParOf" srcId="{B5E9DE36-2808-4C22-86E3-574E73198F7B}" destId="{40D83E02-2A34-48F9-B3C2-907C147C8510}" srcOrd="7" destOrd="0" presId="urn:microsoft.com/office/officeart/2005/8/layout/bProcess3"/>
-    <dgm:cxn modelId="{0E39E515-0EDC-4840-855F-1F99A824236F}" type="presParOf" srcId="{40D83E02-2A34-48F9-B3C2-907C147C8510}" destId="{E58CDC6C-DC6D-4CC8-9C40-72C3BC4D062C}" srcOrd="0" destOrd="0" presId="urn:microsoft.com/office/officeart/2005/8/layout/bProcess3"/>
-    <dgm:cxn modelId="{55637D7B-4B22-4F6E-83B2-D7E3098F039D}" type="presParOf" srcId="{B5E9DE36-2808-4C22-86E3-574E73198F7B}" destId="{71BB5AC8-65AC-4EF1-A140-62055755E8A9}" srcOrd="8" destOrd="0" presId="urn:microsoft.com/office/officeart/2005/8/layout/bProcess3"/>
   </dgm:cxnLst>
   <dgm:bg/>
   <dgm:whole/>
@@ -1485,701 +1292,6 @@
       <dsp:cNvGrpSpPr/>
     </dsp:nvGrpSpPr>
     <dsp:grpSpPr/>
-    <dsp:sp modelId="{6EEB1FC7-E794-4FF5-9801-1EE6FD1DC4E3}">
-      <dsp:nvSpPr>
-        <dsp:cNvPr id="0" name=""/>
-        <dsp:cNvSpPr/>
-      </dsp:nvSpPr>
-      <dsp:spPr>
-        <a:xfrm>
-          <a:off x="1664174" y="1002616"/>
-          <a:ext cx="351558" cy="91440"/>
-        </a:xfrm>
-        <a:custGeom>
-          <a:avLst/>
-          <a:gdLst/>
-          <a:ahLst/>
-          <a:cxnLst/>
-          <a:rect l="0" t="0" r="0" b="0"/>
-          <a:pathLst>
-            <a:path>
-              <a:moveTo>
-                <a:pt x="0" y="45720"/>
-              </a:moveTo>
-              <a:lnTo>
-                <a:pt x="351558" y="45720"/>
-              </a:lnTo>
-            </a:path>
-          </a:pathLst>
-        </a:custGeom>
-        <a:noFill/>
-        <a:ln w="12700" cap="rnd" cmpd="sng" algn="ctr">
-          <a:solidFill>
-            <a:schemeClr val="accent2">
-              <a:hueOff val="0"/>
-              <a:satOff val="0"/>
-              <a:lumOff val="0"/>
-              <a:alphaOff val="0"/>
-            </a:schemeClr>
-          </a:solidFill>
-          <a:prstDash val="solid"/>
-          <a:tailEnd type="arrow"/>
-        </a:ln>
-        <a:effectLst/>
-        <a:sp3d z="-110000"/>
-      </dsp:spPr>
-      <dsp:style>
-        <a:lnRef idx="1">
-          <a:scrgbClr r="0" g="0" b="0"/>
-        </a:lnRef>
-        <a:fillRef idx="0">
-          <a:scrgbClr r="0" g="0" b="0"/>
-        </a:fillRef>
-        <a:effectRef idx="0">
-          <a:scrgbClr r="0" g="0" b="0"/>
-        </a:effectRef>
-        <a:fontRef idx="minor"/>
-      </dsp:style>
-      <dsp:txBody>
-        <a:bodyPr spcFirstLastPara="0" vert="horz" wrap="square" lIns="12700" tIns="0" rIns="12700" bIns="0" numCol="1" spcCol="1270" anchor="ctr" anchorCtr="0">
-          <a:noAutofit/>
-        </a:bodyPr>
-        <a:lstStyle/>
-        <a:p>
-          <a:pPr marL="0" lvl="0" indent="0" algn="ctr" defTabSz="222250">
-            <a:lnSpc>
-              <a:spcPct val="90000"/>
-            </a:lnSpc>
-            <a:spcBef>
-              <a:spcPct val="0"/>
-            </a:spcBef>
-            <a:spcAft>
-              <a:spcPct val="35000"/>
-            </a:spcAft>
-            <a:buNone/>
-          </a:pPr>
-          <a:endParaRPr lang="en-IN" sz="500" kern="1200"/>
-        </a:p>
-      </dsp:txBody>
-      <dsp:txXfrm>
-        <a:off x="1830400" y="1046425"/>
-        <a:ext cx="19107" cy="3821"/>
-      </dsp:txXfrm>
-    </dsp:sp>
-    <dsp:sp modelId="{0F20C581-10BC-42C4-91AA-6D00465CD045}">
-      <dsp:nvSpPr>
-        <dsp:cNvPr id="0" name=""/>
-        <dsp:cNvSpPr/>
-      </dsp:nvSpPr>
-      <dsp:spPr>
-        <a:xfrm>
-          <a:off x="4413" y="549868"/>
-          <a:ext cx="1661560" cy="996936"/>
-        </a:xfrm>
-        <a:prstGeom prst="rect">
-          <a:avLst/>
-        </a:prstGeom>
-        <a:solidFill>
-          <a:schemeClr val="accent2">
-            <a:hueOff val="0"/>
-            <a:satOff val="0"/>
-            <a:lumOff val="0"/>
-            <a:alphaOff val="0"/>
-          </a:schemeClr>
-        </a:solidFill>
-        <a:ln>
-          <a:noFill/>
-        </a:ln>
-        <a:effectLst/>
-        <a:sp3d extrusionH="50600" prstMaterial="metal">
-          <a:bevelT w="101600" h="80600" prst="relaxedInset"/>
-          <a:bevelB w="80600" h="80600" prst="relaxedInset"/>
-        </a:sp3d>
-      </dsp:spPr>
-      <dsp:style>
-        <a:lnRef idx="0">
-          <a:scrgbClr r="0" g="0" b="0"/>
-        </a:lnRef>
-        <a:fillRef idx="1">
-          <a:scrgbClr r="0" g="0" b="0"/>
-        </a:fillRef>
-        <a:effectRef idx="1">
-          <a:scrgbClr r="0" g="0" b="0"/>
-        </a:effectRef>
-        <a:fontRef idx="minor">
-          <a:schemeClr val="dk1"/>
-        </a:fontRef>
-      </dsp:style>
-      <dsp:txBody>
-        <a:bodyPr spcFirstLastPara="0" vert="horz" wrap="square" lIns="128016" tIns="128016" rIns="128016" bIns="128016" numCol="1" spcCol="1270" anchor="ctr" anchorCtr="0">
-          <a:noAutofit/>
-        </a:bodyPr>
-        <a:lstStyle/>
-        <a:p>
-          <a:pPr marL="0" lvl="0" indent="0" algn="ctr" defTabSz="800100">
-            <a:lnSpc>
-              <a:spcPct val="90000"/>
-            </a:lnSpc>
-            <a:spcBef>
-              <a:spcPct val="0"/>
-            </a:spcBef>
-            <a:spcAft>
-              <a:spcPct val="35000"/>
-            </a:spcAft>
-            <a:buNone/>
-          </a:pPr>
-          <a:r>
-            <a:rPr lang="en-IN" sz="1800" kern="1200" dirty="0"/>
-            <a:t>User Interface</a:t>
-          </a:r>
-        </a:p>
-      </dsp:txBody>
-      <dsp:txXfrm>
-        <a:off x="4413" y="549868"/>
-        <a:ext cx="1661560" cy="996936"/>
-      </dsp:txXfrm>
-    </dsp:sp>
-    <dsp:sp modelId="{242F5A96-7B80-4915-AA1E-832B42146F83}">
-      <dsp:nvSpPr>
-        <dsp:cNvPr id="0" name=""/>
-        <dsp:cNvSpPr/>
-      </dsp:nvSpPr>
-      <dsp:spPr>
-        <a:xfrm>
-          <a:off x="3707894" y="1002616"/>
-          <a:ext cx="351558" cy="91440"/>
-        </a:xfrm>
-        <a:custGeom>
-          <a:avLst/>
-          <a:gdLst/>
-          <a:ahLst/>
-          <a:cxnLst/>
-          <a:rect l="0" t="0" r="0" b="0"/>
-          <a:pathLst>
-            <a:path>
-              <a:moveTo>
-                <a:pt x="0" y="45720"/>
-              </a:moveTo>
-              <a:lnTo>
-                <a:pt x="351558" y="45720"/>
-              </a:lnTo>
-            </a:path>
-          </a:pathLst>
-        </a:custGeom>
-        <a:noFill/>
-        <a:ln w="12700" cap="rnd" cmpd="sng" algn="ctr">
-          <a:solidFill>
-            <a:schemeClr val="accent2">
-              <a:hueOff val="-477861"/>
-              <a:satOff val="-11515"/>
-              <a:lumOff val="-6928"/>
-              <a:alphaOff val="0"/>
-            </a:schemeClr>
-          </a:solidFill>
-          <a:prstDash val="solid"/>
-          <a:tailEnd type="arrow"/>
-        </a:ln>
-        <a:effectLst/>
-        <a:sp3d z="-110000"/>
-      </dsp:spPr>
-      <dsp:style>
-        <a:lnRef idx="1">
-          <a:scrgbClr r="0" g="0" b="0"/>
-        </a:lnRef>
-        <a:fillRef idx="0">
-          <a:scrgbClr r="0" g="0" b="0"/>
-        </a:fillRef>
-        <a:effectRef idx="0">
-          <a:scrgbClr r="0" g="0" b="0"/>
-        </a:effectRef>
-        <a:fontRef idx="minor"/>
-      </dsp:style>
-      <dsp:txBody>
-        <a:bodyPr spcFirstLastPara="0" vert="horz" wrap="square" lIns="12700" tIns="0" rIns="12700" bIns="0" numCol="1" spcCol="1270" anchor="ctr" anchorCtr="0">
-          <a:noAutofit/>
-        </a:bodyPr>
-        <a:lstStyle/>
-        <a:p>
-          <a:pPr marL="0" lvl="0" indent="0" algn="ctr" defTabSz="222250">
-            <a:lnSpc>
-              <a:spcPct val="90000"/>
-            </a:lnSpc>
-            <a:spcBef>
-              <a:spcPct val="0"/>
-            </a:spcBef>
-            <a:spcAft>
-              <a:spcPct val="35000"/>
-            </a:spcAft>
-            <a:buNone/>
-          </a:pPr>
-          <a:endParaRPr lang="en-IN" sz="500" kern="1200"/>
-        </a:p>
-      </dsp:txBody>
-      <dsp:txXfrm>
-        <a:off x="3874119" y="1046425"/>
-        <a:ext cx="19107" cy="3821"/>
-      </dsp:txXfrm>
-    </dsp:sp>
-    <dsp:sp modelId="{1D6A4787-64E5-4F0C-A627-7068766DE71C}">
-      <dsp:nvSpPr>
-        <dsp:cNvPr id="0" name=""/>
-        <dsp:cNvSpPr/>
-      </dsp:nvSpPr>
-      <dsp:spPr>
-        <a:xfrm>
-          <a:off x="2048133" y="549868"/>
-          <a:ext cx="1661560" cy="996936"/>
-        </a:xfrm>
-        <a:prstGeom prst="rect">
-          <a:avLst/>
-        </a:prstGeom>
-        <a:solidFill>
-          <a:schemeClr val="accent2">
-            <a:hueOff val="-358396"/>
-            <a:satOff val="-8636"/>
-            <a:lumOff val="-5196"/>
-            <a:alphaOff val="0"/>
-          </a:schemeClr>
-        </a:solidFill>
-        <a:ln>
-          <a:noFill/>
-        </a:ln>
-        <a:effectLst/>
-        <a:sp3d extrusionH="50600" prstMaterial="metal">
-          <a:bevelT w="101600" h="80600" prst="relaxedInset"/>
-          <a:bevelB w="80600" h="80600" prst="relaxedInset"/>
-        </a:sp3d>
-      </dsp:spPr>
-      <dsp:style>
-        <a:lnRef idx="0">
-          <a:scrgbClr r="0" g="0" b="0"/>
-        </a:lnRef>
-        <a:fillRef idx="1">
-          <a:scrgbClr r="0" g="0" b="0"/>
-        </a:fillRef>
-        <a:effectRef idx="1">
-          <a:scrgbClr r="0" g="0" b="0"/>
-        </a:effectRef>
-        <a:fontRef idx="minor">
-          <a:schemeClr val="dk1"/>
-        </a:fontRef>
-      </dsp:style>
-      <dsp:txBody>
-        <a:bodyPr spcFirstLastPara="0" vert="horz" wrap="square" lIns="128016" tIns="128016" rIns="128016" bIns="128016" numCol="1" spcCol="1270" anchor="ctr" anchorCtr="0">
-          <a:noAutofit/>
-        </a:bodyPr>
-        <a:lstStyle/>
-        <a:p>
-          <a:pPr marL="0" lvl="0" indent="0" algn="ctr" defTabSz="800100">
-            <a:lnSpc>
-              <a:spcPct val="90000"/>
-            </a:lnSpc>
-            <a:spcBef>
-              <a:spcPct val="0"/>
-            </a:spcBef>
-            <a:spcAft>
-              <a:spcPct val="35000"/>
-            </a:spcAft>
-            <a:buNone/>
-          </a:pPr>
-          <a:r>
-            <a:rPr lang="en-IN" sz="1800" kern="1200" dirty="0"/>
-            <a:t>Login/Signup</a:t>
-          </a:r>
-        </a:p>
-      </dsp:txBody>
-      <dsp:txXfrm>
-        <a:off x="2048133" y="549868"/>
-        <a:ext cx="1661560" cy="996936"/>
-      </dsp:txXfrm>
-    </dsp:sp>
-    <dsp:sp modelId="{7DCA5C35-2001-421A-84E2-23298C2AC932}">
-      <dsp:nvSpPr>
-        <dsp:cNvPr id="0" name=""/>
-        <dsp:cNvSpPr/>
-      </dsp:nvSpPr>
-      <dsp:spPr>
-        <a:xfrm>
-          <a:off x="835194" y="1545004"/>
-          <a:ext cx="4087439" cy="351558"/>
-        </a:xfrm>
-        <a:custGeom>
-          <a:avLst/>
-          <a:gdLst/>
-          <a:ahLst/>
-          <a:cxnLst/>
-          <a:rect l="0" t="0" r="0" b="0"/>
-          <a:pathLst>
-            <a:path>
-              <a:moveTo>
-                <a:pt x="4087439" y="0"/>
-              </a:moveTo>
-              <a:lnTo>
-                <a:pt x="4087439" y="192879"/>
-              </a:lnTo>
-              <a:lnTo>
-                <a:pt x="0" y="192879"/>
-              </a:lnTo>
-              <a:lnTo>
-                <a:pt x="0" y="351558"/>
-              </a:lnTo>
-            </a:path>
-          </a:pathLst>
-        </a:custGeom>
-        <a:noFill/>
-        <a:ln w="12700" cap="rnd" cmpd="sng" algn="ctr">
-          <a:solidFill>
-            <a:schemeClr val="accent2">
-              <a:hueOff val="-955721"/>
-              <a:satOff val="-23029"/>
-              <a:lumOff val="-13857"/>
-              <a:alphaOff val="0"/>
-            </a:schemeClr>
-          </a:solidFill>
-          <a:prstDash val="solid"/>
-          <a:tailEnd type="arrow"/>
-        </a:ln>
-        <a:effectLst/>
-        <a:sp3d z="-110000"/>
-      </dsp:spPr>
-      <dsp:style>
-        <a:lnRef idx="1">
-          <a:scrgbClr r="0" g="0" b="0"/>
-        </a:lnRef>
-        <a:fillRef idx="0">
-          <a:scrgbClr r="0" g="0" b="0"/>
-        </a:fillRef>
-        <a:effectRef idx="0">
-          <a:scrgbClr r="0" g="0" b="0"/>
-        </a:effectRef>
-        <a:fontRef idx="minor"/>
-      </dsp:style>
-      <dsp:txBody>
-        <a:bodyPr spcFirstLastPara="0" vert="horz" wrap="square" lIns="12700" tIns="0" rIns="12700" bIns="0" numCol="1" spcCol="1270" anchor="ctr" anchorCtr="0">
-          <a:noAutofit/>
-        </a:bodyPr>
-        <a:lstStyle/>
-        <a:p>
-          <a:pPr marL="0" lvl="0" indent="0" algn="ctr" defTabSz="222250">
-            <a:lnSpc>
-              <a:spcPct val="90000"/>
-            </a:lnSpc>
-            <a:spcBef>
-              <a:spcPct val="0"/>
-            </a:spcBef>
-            <a:spcAft>
-              <a:spcPct val="35000"/>
-            </a:spcAft>
-            <a:buNone/>
-          </a:pPr>
-          <a:endParaRPr lang="en-IN" sz="500" kern="1200"/>
-        </a:p>
-      </dsp:txBody>
-      <dsp:txXfrm>
-        <a:off x="2776282" y="1718873"/>
-        <a:ext cx="205263" cy="3821"/>
-      </dsp:txXfrm>
-    </dsp:sp>
-    <dsp:sp modelId="{490E3A8C-B0A7-4BA6-BF55-C3476CEF0729}">
-      <dsp:nvSpPr>
-        <dsp:cNvPr id="0" name=""/>
-        <dsp:cNvSpPr/>
-      </dsp:nvSpPr>
-      <dsp:spPr>
-        <a:xfrm>
-          <a:off x="4091853" y="549868"/>
-          <a:ext cx="1661560" cy="996936"/>
-        </a:xfrm>
-        <a:prstGeom prst="rect">
-          <a:avLst/>
-        </a:prstGeom>
-        <a:solidFill>
-          <a:schemeClr val="accent2">
-            <a:hueOff val="-716791"/>
-            <a:satOff val="-17272"/>
-            <a:lumOff val="-10393"/>
-            <a:alphaOff val="0"/>
-          </a:schemeClr>
-        </a:solidFill>
-        <a:ln>
-          <a:noFill/>
-        </a:ln>
-        <a:effectLst/>
-        <a:sp3d extrusionH="50600" prstMaterial="metal">
-          <a:bevelT w="101600" h="80600" prst="relaxedInset"/>
-          <a:bevelB w="80600" h="80600" prst="relaxedInset"/>
-        </a:sp3d>
-      </dsp:spPr>
-      <dsp:style>
-        <a:lnRef idx="0">
-          <a:scrgbClr r="0" g="0" b="0"/>
-        </a:lnRef>
-        <a:fillRef idx="1">
-          <a:scrgbClr r="0" g="0" b="0"/>
-        </a:fillRef>
-        <a:effectRef idx="1">
-          <a:scrgbClr r="0" g="0" b="0"/>
-        </a:effectRef>
-        <a:fontRef idx="minor">
-          <a:schemeClr val="dk1"/>
-        </a:fontRef>
-      </dsp:style>
-      <dsp:txBody>
-        <a:bodyPr spcFirstLastPara="0" vert="horz" wrap="square" lIns="128016" tIns="128016" rIns="128016" bIns="128016" numCol="1" spcCol="1270" anchor="ctr" anchorCtr="0">
-          <a:noAutofit/>
-        </a:bodyPr>
-        <a:lstStyle/>
-        <a:p>
-          <a:pPr marL="0" lvl="0" indent="0" algn="ctr" defTabSz="800100">
-            <a:lnSpc>
-              <a:spcPct val="90000"/>
-            </a:lnSpc>
-            <a:spcBef>
-              <a:spcPct val="0"/>
-            </a:spcBef>
-            <a:spcAft>
-              <a:spcPct val="35000"/>
-            </a:spcAft>
-            <a:buNone/>
-          </a:pPr>
-          <a:r>
-            <a:rPr lang="en-IN" sz="1800" kern="1200" dirty="0"/>
-            <a:t>Create your New ID Card</a:t>
-          </a:r>
-        </a:p>
-      </dsp:txBody>
-      <dsp:txXfrm>
-        <a:off x="4091853" y="549868"/>
-        <a:ext cx="1661560" cy="996936"/>
-      </dsp:txXfrm>
-    </dsp:sp>
-    <dsp:sp modelId="{40D83E02-2A34-48F9-B3C2-907C147C8510}">
-      <dsp:nvSpPr>
-        <dsp:cNvPr id="0" name=""/>
-        <dsp:cNvSpPr/>
-      </dsp:nvSpPr>
-      <dsp:spPr>
-        <a:xfrm>
-          <a:off x="1664174" y="2381711"/>
-          <a:ext cx="351558" cy="91440"/>
-        </a:xfrm>
-        <a:custGeom>
-          <a:avLst/>
-          <a:gdLst/>
-          <a:ahLst/>
-          <a:cxnLst/>
-          <a:rect l="0" t="0" r="0" b="0"/>
-          <a:pathLst>
-            <a:path>
-              <a:moveTo>
-                <a:pt x="0" y="45720"/>
-              </a:moveTo>
-              <a:lnTo>
-                <a:pt x="351558" y="45720"/>
-              </a:lnTo>
-            </a:path>
-          </a:pathLst>
-        </a:custGeom>
-        <a:noFill/>
-        <a:ln w="12700" cap="rnd" cmpd="sng" algn="ctr">
-          <a:solidFill>
-            <a:schemeClr val="accent2">
-              <a:hueOff val="-1433582"/>
-              <a:satOff val="-34544"/>
-              <a:lumOff val="-20785"/>
-              <a:alphaOff val="0"/>
-            </a:schemeClr>
-          </a:solidFill>
-          <a:prstDash val="solid"/>
-          <a:tailEnd type="arrow"/>
-        </a:ln>
-        <a:effectLst/>
-        <a:sp3d z="-110000"/>
-      </dsp:spPr>
-      <dsp:style>
-        <a:lnRef idx="1">
-          <a:scrgbClr r="0" g="0" b="0"/>
-        </a:lnRef>
-        <a:fillRef idx="0">
-          <a:scrgbClr r="0" g="0" b="0"/>
-        </a:fillRef>
-        <a:effectRef idx="0">
-          <a:scrgbClr r="0" g="0" b="0"/>
-        </a:effectRef>
-        <a:fontRef idx="minor"/>
-      </dsp:style>
-      <dsp:txBody>
-        <a:bodyPr spcFirstLastPara="0" vert="horz" wrap="square" lIns="12700" tIns="0" rIns="12700" bIns="0" numCol="1" spcCol="1270" anchor="ctr" anchorCtr="0">
-          <a:noAutofit/>
-        </a:bodyPr>
-        <a:lstStyle/>
-        <a:p>
-          <a:pPr marL="0" lvl="0" indent="0" algn="ctr" defTabSz="222250">
-            <a:lnSpc>
-              <a:spcPct val="90000"/>
-            </a:lnSpc>
-            <a:spcBef>
-              <a:spcPct val="0"/>
-            </a:spcBef>
-            <a:spcAft>
-              <a:spcPct val="35000"/>
-            </a:spcAft>
-            <a:buNone/>
-          </a:pPr>
-          <a:endParaRPr lang="en-IN" sz="500" kern="1200"/>
-        </a:p>
-      </dsp:txBody>
-      <dsp:txXfrm>
-        <a:off x="1830400" y="2425520"/>
-        <a:ext cx="19107" cy="3821"/>
-      </dsp:txXfrm>
-    </dsp:sp>
-    <dsp:sp modelId="{2F0B800C-6369-42FA-8BB4-CF26C6F757BE}">
-      <dsp:nvSpPr>
-        <dsp:cNvPr id="0" name=""/>
-        <dsp:cNvSpPr/>
-      </dsp:nvSpPr>
-      <dsp:spPr>
-        <a:xfrm>
-          <a:off x="4413" y="1928963"/>
-          <a:ext cx="1661560" cy="996936"/>
-        </a:xfrm>
-        <a:prstGeom prst="rect">
-          <a:avLst/>
-        </a:prstGeom>
-        <a:solidFill>
-          <a:schemeClr val="accent2">
-            <a:hueOff val="-1075187"/>
-            <a:satOff val="-25908"/>
-            <a:lumOff val="-15589"/>
-            <a:alphaOff val="0"/>
-          </a:schemeClr>
-        </a:solidFill>
-        <a:ln>
-          <a:noFill/>
-        </a:ln>
-        <a:effectLst/>
-        <a:sp3d extrusionH="50600" prstMaterial="metal">
-          <a:bevelT w="101600" h="80600" prst="relaxedInset"/>
-          <a:bevelB w="80600" h="80600" prst="relaxedInset"/>
-        </a:sp3d>
-      </dsp:spPr>
-      <dsp:style>
-        <a:lnRef idx="0">
-          <a:scrgbClr r="0" g="0" b="0"/>
-        </a:lnRef>
-        <a:fillRef idx="1">
-          <a:scrgbClr r="0" g="0" b="0"/>
-        </a:fillRef>
-        <a:effectRef idx="1">
-          <a:scrgbClr r="0" g="0" b="0"/>
-        </a:effectRef>
-        <a:fontRef idx="minor">
-          <a:schemeClr val="dk1"/>
-        </a:fontRef>
-      </dsp:style>
-      <dsp:txBody>
-        <a:bodyPr spcFirstLastPara="0" vert="horz" wrap="square" lIns="128016" tIns="128016" rIns="128016" bIns="128016" numCol="1" spcCol="1270" anchor="ctr" anchorCtr="0">
-          <a:noAutofit/>
-        </a:bodyPr>
-        <a:lstStyle/>
-        <a:p>
-          <a:pPr marL="0" lvl="0" indent="0" algn="ctr" defTabSz="800100">
-            <a:lnSpc>
-              <a:spcPct val="90000"/>
-            </a:lnSpc>
-            <a:spcBef>
-              <a:spcPct val="0"/>
-            </a:spcBef>
-            <a:spcAft>
-              <a:spcPct val="35000"/>
-            </a:spcAft>
-            <a:buNone/>
-          </a:pPr>
-          <a:r>
-            <a:rPr lang="en-IN" sz="1800" kern="1200" dirty="0"/>
-            <a:t>Print your ID Card</a:t>
-          </a:r>
-        </a:p>
-      </dsp:txBody>
-      <dsp:txXfrm>
-        <a:off x="4413" y="1928963"/>
-        <a:ext cx="1661560" cy="996936"/>
-      </dsp:txXfrm>
-    </dsp:sp>
-    <dsp:sp modelId="{71BB5AC8-65AC-4EF1-A140-62055755E8A9}">
-      <dsp:nvSpPr>
-        <dsp:cNvPr id="0" name=""/>
-        <dsp:cNvSpPr/>
-      </dsp:nvSpPr>
-      <dsp:spPr>
-        <a:xfrm>
-          <a:off x="2048133" y="1928963"/>
-          <a:ext cx="1661560" cy="996936"/>
-        </a:xfrm>
-        <a:prstGeom prst="rect">
-          <a:avLst/>
-        </a:prstGeom>
-        <a:solidFill>
-          <a:schemeClr val="accent2">
-            <a:hueOff val="-1433582"/>
-            <a:satOff val="-34544"/>
-            <a:lumOff val="-20785"/>
-            <a:alphaOff val="0"/>
-          </a:schemeClr>
-        </a:solidFill>
-        <a:ln>
-          <a:noFill/>
-        </a:ln>
-        <a:effectLst/>
-        <a:sp3d extrusionH="50600" prstMaterial="metal">
-          <a:bevelT w="101600" h="80600" prst="relaxedInset"/>
-          <a:bevelB w="80600" h="80600" prst="relaxedInset"/>
-        </a:sp3d>
-      </dsp:spPr>
-      <dsp:style>
-        <a:lnRef idx="0">
-          <a:scrgbClr r="0" g="0" b="0"/>
-        </a:lnRef>
-        <a:fillRef idx="1">
-          <a:scrgbClr r="0" g="0" b="0"/>
-        </a:fillRef>
-        <a:effectRef idx="1">
-          <a:scrgbClr r="0" g="0" b="0"/>
-        </a:effectRef>
-        <a:fontRef idx="minor">
-          <a:schemeClr val="dk1"/>
-        </a:fontRef>
-      </dsp:style>
-      <dsp:txBody>
-        <a:bodyPr spcFirstLastPara="0" vert="horz" wrap="square" lIns="128016" tIns="128016" rIns="128016" bIns="128016" numCol="1" spcCol="1270" anchor="ctr" anchorCtr="0">
-          <a:noAutofit/>
-        </a:bodyPr>
-        <a:lstStyle/>
-        <a:p>
-          <a:pPr marL="0" lvl="0" indent="0" algn="ctr" defTabSz="800100">
-            <a:lnSpc>
-              <a:spcPct val="90000"/>
-            </a:lnSpc>
-            <a:spcBef>
-              <a:spcPct val="0"/>
-            </a:spcBef>
-            <a:spcAft>
-              <a:spcPct val="35000"/>
-            </a:spcAft>
-            <a:buNone/>
-          </a:pPr>
-          <a:r>
-            <a:rPr lang="en-IN" sz="1800" kern="1200" dirty="0"/>
-            <a:t>Logout</a:t>
-          </a:r>
-        </a:p>
-      </dsp:txBody>
-      <dsp:txXfrm>
-        <a:off x="2048133" y="1928963"/>
-        <a:ext cx="1661560" cy="996936"/>
-      </dsp:txXfrm>
-    </dsp:sp>
   </dsp:spTree>
 </dsp:drawing>
 </file>
@@ -4232,7 +3344,7 @@
             <a:fld id="{B61BEF0D-F0BB-DE4B-95CE-6DB70DBA9567}" type="datetimeFigureOut">
               <a:rPr lang="en-US" smtClean="0"/>
               <a:pPr/>
-              <a:t>03-Apr-22</a:t>
+              <a:t>12-Apr-22</a:t>
             </a:fld>
             <a:endParaRPr lang="en-US" dirty="0"/>
           </a:p>
@@ -4500,7 +3612,7 @@
             <a:fld id="{B61BEF0D-F0BB-DE4B-95CE-6DB70DBA9567}" type="datetimeFigureOut">
               <a:rPr lang="en-US" smtClean="0"/>
               <a:pPr/>
-              <a:t>03-Apr-22</a:t>
+              <a:t>12-Apr-22</a:t>
             </a:fld>
             <a:endParaRPr lang="en-US" dirty="0"/>
           </a:p>
@@ -4831,7 +3943,7 @@
             <a:fld id="{B61BEF0D-F0BB-DE4B-95CE-6DB70DBA9567}" type="datetimeFigureOut">
               <a:rPr lang="en-US" smtClean="0"/>
               <a:pPr/>
-              <a:t>03-Apr-22</a:t>
+              <a:t>12-Apr-22</a:t>
             </a:fld>
             <a:endParaRPr lang="en-US" dirty="0"/>
           </a:p>
@@ -5175,7 +4287,7 @@
             <a:fld id="{B61BEF0D-F0BB-DE4B-95CE-6DB70DBA9567}" type="datetimeFigureOut">
               <a:rPr lang="en-US" smtClean="0"/>
               <a:pPr/>
-              <a:t>03-Apr-22</a:t>
+              <a:t>12-Apr-22</a:t>
             </a:fld>
             <a:endParaRPr lang="en-US" dirty="0"/>
           </a:p>
@@ -5506,7 +4618,7 @@
             <a:fld id="{B61BEF0D-F0BB-DE4B-95CE-6DB70DBA9567}" type="datetimeFigureOut">
               <a:rPr lang="en-US" smtClean="0"/>
               <a:pPr/>
-              <a:t>03-Apr-22</a:t>
+              <a:t>12-Apr-22</a:t>
             </a:fld>
             <a:endParaRPr lang="en-US" dirty="0"/>
           </a:p>
@@ -5910,7 +5022,7 @@
             <a:fld id="{B61BEF0D-F0BB-DE4B-95CE-6DB70DBA9567}" type="datetimeFigureOut">
               <a:rPr lang="en-US" smtClean="0"/>
               <a:pPr/>
-              <a:t>03-Apr-22</a:t>
+              <a:t>12-Apr-22</a:t>
             </a:fld>
             <a:endParaRPr lang="en-US" dirty="0"/>
           </a:p>
@@ -6096,7 +5208,7 @@
           <a:p>
             <a:fld id="{55C6B4A9-1611-4792-9094-5F34BCA07E0B}" type="datetimeFigureOut">
               <a:rPr lang="en-US" smtClean="0"/>
-              <a:t>03-Apr-22</a:t>
+              <a:t>12-Apr-22</a:t>
             </a:fld>
             <a:endParaRPr lang="en-US" dirty="0"/>
           </a:p>
@@ -6293,7 +5405,7 @@
             <a:fld id="{B61BEF0D-F0BB-DE4B-95CE-6DB70DBA9567}" type="datetimeFigureOut">
               <a:rPr lang="en-US" smtClean="0"/>
               <a:pPr/>
-              <a:t>03-Apr-22</a:t>
+              <a:t>12-Apr-22</a:t>
             </a:fld>
             <a:endParaRPr lang="en-US" dirty="0"/>
           </a:p>
@@ -6608,7 +5720,7 @@
             <a:fld id="{B61BEF0D-F0BB-DE4B-95CE-6DB70DBA9567}" type="datetimeFigureOut">
               <a:rPr lang="en-US" smtClean="0"/>
               <a:pPr/>
-              <a:t>03-Apr-22</a:t>
+              <a:t>12-Apr-22</a:t>
             </a:fld>
             <a:endParaRPr lang="en-US" dirty="0"/>
           </a:p>
@@ -6805,7 +5917,7 @@
             <a:fld id="{B61BEF0D-F0BB-DE4B-95CE-6DB70DBA9567}" type="datetimeFigureOut">
               <a:rPr lang="en-US" smtClean="0"/>
               <a:pPr/>
-              <a:t>03-Apr-22</a:t>
+              <a:t>12-Apr-22</a:t>
             </a:fld>
             <a:endParaRPr lang="en-US" dirty="0"/>
           </a:p>
@@ -6992,7 +6104,7 @@
             <a:fld id="{B61BEF0D-F0BB-DE4B-95CE-6DB70DBA9567}" type="datetimeFigureOut">
               <a:rPr lang="en-US" smtClean="0"/>
               <a:pPr/>
-              <a:t>03-Apr-22</a:t>
+              <a:t>12-Apr-22</a:t>
             </a:fld>
             <a:endParaRPr lang="en-US" dirty="0"/>
           </a:p>
@@ -7257,7 +6369,7 @@
             <a:fld id="{B61BEF0D-F0BB-DE4B-95CE-6DB70DBA9567}" type="datetimeFigureOut">
               <a:rPr lang="en-US" smtClean="0"/>
               <a:pPr/>
-              <a:t>03-Apr-22</a:t>
+              <a:t>12-Apr-22</a:t>
             </a:fld>
             <a:endParaRPr lang="en-US" dirty="0"/>
           </a:p>
@@ -7511,7 +6623,7 @@
             <a:fld id="{B61BEF0D-F0BB-DE4B-95CE-6DB70DBA9567}" type="datetimeFigureOut">
               <a:rPr lang="en-US" smtClean="0"/>
               <a:pPr/>
-              <a:t>03-Apr-22</a:t>
+              <a:t>12-Apr-22</a:t>
             </a:fld>
             <a:endParaRPr lang="en-US" dirty="0"/>
           </a:p>
@@ -7913,7 +7025,7 @@
             <a:fld id="{B61BEF0D-F0BB-DE4B-95CE-6DB70DBA9567}" type="datetimeFigureOut">
               <a:rPr lang="en-US" smtClean="0"/>
               <a:pPr/>
-              <a:t>03-Apr-22</a:t>
+              <a:t>12-Apr-22</a:t>
             </a:fld>
             <a:endParaRPr lang="en-US" dirty="0"/>
           </a:p>
@@ -8048,7 +7160,7 @@
             <a:fld id="{B61BEF0D-F0BB-DE4B-95CE-6DB70DBA9567}" type="datetimeFigureOut">
               <a:rPr lang="en-US" smtClean="0"/>
               <a:pPr/>
-              <a:t>03-Apr-22</a:t>
+              <a:t>12-Apr-22</a:t>
             </a:fld>
             <a:endParaRPr lang="en-US" dirty="0"/>
           </a:p>
@@ -8145,7 +7257,7 @@
             <a:fld id="{B61BEF0D-F0BB-DE4B-95CE-6DB70DBA9567}" type="datetimeFigureOut">
               <a:rPr lang="en-US" smtClean="0"/>
               <a:pPr/>
-              <a:t>03-Apr-22</a:t>
+              <a:t>12-Apr-22</a:t>
             </a:fld>
             <a:endParaRPr lang="en-US" dirty="0"/>
           </a:p>
@@ -8413,7 +7525,7 @@
             <a:fld id="{B61BEF0D-F0BB-DE4B-95CE-6DB70DBA9567}" type="datetimeFigureOut">
               <a:rPr lang="en-US" smtClean="0"/>
               <a:pPr/>
-              <a:t>03-Apr-22</a:t>
+              <a:t>12-Apr-22</a:t>
             </a:fld>
             <a:endParaRPr lang="en-US" dirty="0"/>
           </a:p>
@@ -8821,7 +7933,7 @@
             <a:fld id="{B61BEF0D-F0BB-DE4B-95CE-6DB70DBA9567}" type="datetimeFigureOut">
               <a:rPr lang="en-US" smtClean="0"/>
               <a:pPr/>
-              <a:t>03-Apr-22</a:t>
+              <a:t>12-Apr-22</a:t>
             </a:fld>
             <a:endParaRPr lang="en-US" dirty="0"/>
           </a:p>
@@ -9013,7 +8125,7 @@
             <a:fld id="{B61BEF0D-F0BB-DE4B-95CE-6DB70DBA9567}" type="datetimeFigureOut">
               <a:rPr lang="en-US" smtClean="0"/>
               <a:pPr/>
-              <a:t>03-Apr-22</a:t>
+              <a:t>12-Apr-22</a:t>
             </a:fld>
             <a:endParaRPr lang="en-US" dirty="0"/>
           </a:p>
@@ -9214,7 +8326,7 @@
             <a:fld id="{B61BEF0D-F0BB-DE4B-95CE-6DB70DBA9567}" type="datetimeFigureOut">
               <a:rPr lang="en-US" smtClean="0"/>
               <a:pPr/>
-              <a:t>03-Apr-22</a:t>
+              <a:t>12-Apr-22</a:t>
             </a:fld>
             <a:endParaRPr lang="en-US" dirty="0"/>
           </a:p>
@@ -9574,7 +8686,7 @@
             <a:fld id="{B61BEF0D-F0BB-DE4B-95CE-6DB70DBA9567}" type="datetimeFigureOut">
               <a:rPr lang="en-US" smtClean="0"/>
               <a:pPr/>
-              <a:t>03-Apr-22</a:t>
+              <a:t>12-Apr-22</a:t>
             </a:fld>
             <a:endParaRPr lang="en-US" dirty="0"/>
           </a:p>
@@ -9822,7 +8934,7 @@
           <a:p>
             <a:fld id="{EB712588-04B1-427B-82EE-E8DB90309F08}" type="datetimeFigureOut">
               <a:rPr lang="en-US" smtClean="0"/>
-              <a:t>03-Apr-22</a:t>
+              <a:t>12-Apr-22</a:t>
             </a:fld>
             <a:endParaRPr lang="en-US" dirty="0"/>
           </a:p>
@@ -10213,7 +9325,7 @@
             <a:fld id="{B61BEF0D-F0BB-DE4B-95CE-6DB70DBA9567}" type="datetimeFigureOut">
               <a:rPr lang="en-US" smtClean="0"/>
               <a:pPr/>
-              <a:t>03-Apr-22</a:t>
+              <a:t>12-Apr-22</a:t>
             </a:fld>
             <a:endParaRPr lang="en-US" dirty="0"/>
           </a:p>
@@ -10353,7 +9465,7 @@
             <a:fld id="{B61BEF0D-F0BB-DE4B-95CE-6DB70DBA9567}" type="datetimeFigureOut">
               <a:rPr lang="en-US" smtClean="0"/>
               <a:pPr/>
-              <a:t>03-Apr-22</a:t>
+              <a:t>12-Apr-22</a:t>
             </a:fld>
             <a:endParaRPr lang="en-US" dirty="0"/>
           </a:p>
@@ -10450,7 +9562,7 @@
             <a:fld id="{B61BEF0D-F0BB-DE4B-95CE-6DB70DBA9567}" type="datetimeFigureOut">
               <a:rPr lang="en-US" smtClean="0"/>
               <a:pPr/>
-              <a:t>03-Apr-22</a:t>
+              <a:t>12-Apr-22</a:t>
             </a:fld>
             <a:endParaRPr lang="en-US" dirty="0"/>
           </a:p>
@@ -10721,7 +9833,7 @@
           <a:p>
             <a:fld id="{42A54C80-263E-416B-A8E0-580EDEADCBDC}" type="datetimeFigureOut">
               <a:rPr lang="en-US" smtClean="0"/>
-              <a:t>03-Apr-22</a:t>
+              <a:t>12-Apr-22</a:t>
             </a:fld>
             <a:endParaRPr lang="en-US" dirty="0"/>
           </a:p>
@@ -11001,7 +10113,7 @@
             <a:fld id="{B61BEF0D-F0BB-DE4B-95CE-6DB70DBA9567}" type="datetimeFigureOut">
               <a:rPr lang="en-US" smtClean="0"/>
               <a:pPr/>
-              <a:t>03-Apr-22</a:t>
+              <a:t>12-Apr-22</a:t>
             </a:fld>
             <a:endParaRPr lang="en-US" dirty="0"/>
           </a:p>
@@ -11763,7 +10875,7 @@
             <a:fld id="{B61BEF0D-F0BB-DE4B-95CE-6DB70DBA9567}" type="datetimeFigureOut">
               <a:rPr lang="en-US" smtClean="0"/>
               <a:pPr/>
-              <a:t>03-Apr-22</a:t>
+              <a:t>12-Apr-22</a:t>
             </a:fld>
             <a:endParaRPr lang="en-US" dirty="0"/>
           </a:p>
@@ -12462,7 +11574,7 @@
             <a:fld id="{B61BEF0D-F0BB-DE4B-95CE-6DB70DBA9567}" type="datetimeFigureOut">
               <a:rPr lang="en-US" smtClean="0"/>
               <a:pPr/>
-              <a:t>03-Apr-22</a:t>
+              <a:t>12-Apr-22</a:t>
             </a:fld>
             <a:endParaRPr lang="en-US" dirty="0"/>
           </a:p>
@@ -13238,7 +12350,7 @@
                 <a:latin typeface="Times New Roman"/>
                 <a:ea typeface="Times New Roman"/>
               </a:rPr>
-              <a:t>3.2</a:t>
+              <a:t>3.3</a:t>
             </a:r>
             <a:r>
               <a:rPr lang="en" sz="3000" b="1" strike="noStrike" spc="-1" dirty="0">
@@ -13248,7 +12360,7 @@
                 <a:latin typeface="Times New Roman"/>
                 <a:ea typeface="Times New Roman"/>
               </a:rPr>
-              <a:t> Benefits for Society</a:t>
+              <a:t> Applications</a:t>
             </a:r>
             <a:endParaRPr lang="en-IN" sz="3000" b="0" strike="noStrike" spc="-1" dirty="0">
               <a:solidFill>
@@ -13267,7 +12379,7 @@
         </p:nvSpPr>
         <p:spPr>
           <a:xfrm>
-            <a:off x="311760" y="1171440"/>
+            <a:off x="311760" y="1301580"/>
             <a:ext cx="8520120" cy="3396960"/>
           </a:xfrm>
           <a:prstGeom prst="rect">
@@ -13295,14 +12407,14 @@
               <a:buChar char="●"/>
             </a:pPr>
             <a:r>
-              <a:rPr lang="en-US" sz="1800" b="0" strike="noStrike" spc="-1" dirty="0">
+              <a:rPr lang="en-US" sz="2000" b="0" strike="noStrike" spc="-1" dirty="0">
                 <a:solidFill>
                   <a:srgbClr val="000000"/>
                 </a:solidFill>
                 <a:latin typeface="Old Standard TT"/>
                 <a:ea typeface="Old Standard TT"/>
               </a:rPr>
-              <a:t>Easy to Access</a:t>
+              <a:t>You Can Use It Across a Variety of Devices</a:t>
             </a:r>
           </a:p>
           <a:p>
@@ -13316,7 +12428,7 @@
               <a:buFont typeface="Old Standard TT"/>
               <a:buChar char="●"/>
             </a:pPr>
-            <a:endParaRPr lang="en-US" sz="1800" b="0" strike="noStrike" spc="-1" dirty="0">
+            <a:endParaRPr lang="en-US" sz="2000" b="0" strike="noStrike" spc="-1" dirty="0">
               <a:solidFill>
                 <a:srgbClr val="000000"/>
               </a:solidFill>
@@ -13336,14 +12448,14 @@
               <a:buChar char="●"/>
             </a:pPr>
             <a:r>
-              <a:rPr lang="en-US" sz="1800" b="0" strike="noStrike" spc="-1" dirty="0">
+              <a:rPr lang="en-US" sz="2000" b="0" strike="noStrike" spc="-1" dirty="0">
                 <a:solidFill>
                   <a:srgbClr val="000000"/>
                 </a:solidFill>
                 <a:latin typeface="Old Standard TT"/>
                 <a:ea typeface="Old Standard TT"/>
               </a:rPr>
-              <a:t>Useful in order to prevent criminal activities</a:t>
+              <a:t>It Helps You Stay Safer When Working Remotely</a:t>
             </a:r>
           </a:p>
           <a:p>
@@ -13357,7 +12469,7 @@
               <a:buFont typeface="Old Standard TT"/>
               <a:buChar char="●"/>
             </a:pPr>
-            <a:endParaRPr lang="en-US" sz="1800" b="0" strike="noStrike" spc="-1" dirty="0">
+            <a:endParaRPr lang="en-US" sz="2000" b="0" strike="noStrike" spc="-1" dirty="0">
               <a:solidFill>
                 <a:srgbClr val="000000"/>
               </a:solidFill>
@@ -13377,24 +12489,14 @@
               <a:buChar char="●"/>
             </a:pPr>
             <a:r>
-              <a:rPr lang="en-US" sz="1800" b="0" strike="noStrike" spc="-1" dirty="0">
+              <a:rPr lang="en-US" sz="2000" b="0" strike="noStrike" spc="-1" dirty="0">
                 <a:solidFill>
                   <a:srgbClr val="000000"/>
                 </a:solidFill>
                 <a:latin typeface="Old Standard TT"/>
                 <a:ea typeface="Old Standard TT"/>
               </a:rPr>
-              <a:t>Reduction on Time and Cost Overheads.</a:t>
-            </a:r>
-            <a:r>
-              <a:rPr lang="en" sz="1800" b="0" strike="noStrike" spc="-1" dirty="0">
-                <a:solidFill>
-                  <a:srgbClr val="000000"/>
-                </a:solidFill>
-                <a:latin typeface="Old Standard TT"/>
-                <a:ea typeface="Old Standard TT"/>
-              </a:rPr>
-              <a:t> </a:t>
+              <a:t>Encryption Is a Privacy Safeguard</a:t>
             </a:r>
           </a:p>
           <a:p>
@@ -13408,7 +12510,7 @@
               <a:buFont typeface="Old Standard TT"/>
               <a:buChar char="●"/>
             </a:pPr>
-            <a:endParaRPr lang="en" sz="1800" b="0" strike="noStrike" spc="-1" dirty="0">
+            <a:endParaRPr lang="en-US" sz="2000" b="0" strike="noStrike" spc="-1" dirty="0">
               <a:solidFill>
                 <a:srgbClr val="000000"/>
               </a:solidFill>
@@ -13428,77 +12530,28 @@
               <a:buChar char="●"/>
             </a:pPr>
             <a:r>
-              <a:rPr lang="en" spc="-1" dirty="0">
+              <a:rPr lang="en-US" sz="2000" b="0" strike="noStrike" spc="-1" dirty="0">
                 <a:solidFill>
                   <a:srgbClr val="000000"/>
                 </a:solidFill>
                 <a:latin typeface="Old Standard TT"/>
                 <a:ea typeface="Old Standard TT"/>
               </a:rPr>
-              <a:t>Avaliable in your Phone, Tablets and Pc.</a:t>
-            </a:r>
-            <a:r>
-              <a:rPr lang="en" sz="1800" b="0" strike="noStrike" spc="-1" dirty="0">
-                <a:solidFill>
-                  <a:srgbClr val="000000"/>
-                </a:solidFill>
-                <a:latin typeface="Old Standard TT"/>
-                <a:ea typeface="Old Standard TT"/>
-              </a:rPr>
-              <a:t>                                  </a:t>
-            </a:r>
-            <a:endParaRPr lang="en-IN" sz="1800" b="0" strike="noStrike" spc="-1" dirty="0">
+              <a:t>Encryption Could Provide a Competitive Advantage</a:t>
+            </a:r>
+            <a:endParaRPr lang="en-IN" sz="2000" b="0" strike="noStrike" spc="-1" dirty="0">
               <a:solidFill>
                 <a:srgbClr val="000000"/>
               </a:solidFill>
               <a:latin typeface="Arial"/>
             </a:endParaRPr>
           </a:p>
-          <a:p>
-            <a:pPr marL="114480">
-              <a:lnSpc>
-                <a:spcPct val="115000"/>
-              </a:lnSpc>
-              <a:buClr>
-                <a:srgbClr val="000000"/>
-              </a:buClr>
-            </a:pPr>
-            <a:r>
-              <a:rPr lang="en" sz="1800" b="0" strike="noStrike" spc="-1" dirty="0">
-                <a:solidFill>
-                  <a:srgbClr val="000000"/>
-                </a:solidFill>
-                <a:latin typeface="Old Standard TT"/>
-                <a:ea typeface="Old Standard TT"/>
-              </a:rPr>
-              <a:t>                                    </a:t>
-            </a:r>
-            <a:endParaRPr lang="en-IN" sz="1800" b="0" strike="noStrike" spc="-1" dirty="0">
-              <a:solidFill>
-                <a:srgbClr val="000000"/>
-              </a:solidFill>
-              <a:latin typeface="Arial"/>
-            </a:endParaRPr>
-          </a:p>
-          <a:p>
-            <a:pPr>
-              <a:lnSpc>
-                <a:spcPct val="115000"/>
-              </a:lnSpc>
-            </a:pPr>
-            <a:endParaRPr lang="en-IN" sz="1800" b="0" strike="noStrike" spc="-1" dirty="0">
-              <a:solidFill>
-                <a:srgbClr val="000000"/>
-              </a:solidFill>
-              <a:latin typeface="Arial"/>
-            </a:endParaRPr>
-          </a:p>
         </p:txBody>
       </p:sp>
     </p:spTree>
     <p:extLst>
       <p:ext uri="{BB962C8B-B14F-4D97-AF65-F5344CB8AC3E}">
-        <p14:creationId xmlns:p14="http://schemas.microsoft.com/office/powerpoint/2010/main" val="2819646261"/>
+        <p14:creationId xmlns:p14="http://schemas.microsoft.com/office/powerpoint/2010/main" val="2195857904"/>
       </p:ext>
     </p:extLst>
   </p:cSld>
@@ -13527,311 +12580,189 @@
       </p:grpSpPr>
       <p:sp>
         <p:nvSpPr>
-          <p:cNvPr id="98" name="TextShape 1"/>
+          <p:cNvPr id="4" name="Title 3">
+            <a:extLst>
+              <a:ext uri="{FF2B5EF4-FFF2-40B4-BE49-F238E27FC236}">
+                <a16:creationId xmlns:a16="http://schemas.microsoft.com/office/drawing/2014/main" id="{F788EA88-4AB5-4A49-BBA1-CCC497A15157}"/>
+              </a:ext>
+            </a:extLst>
+          </p:cNvPr>
+          <p:cNvSpPr>
+            <a:spLocks noGrp="1"/>
+          </p:cNvSpPr>
+          <p:nvPr>
+            <p:ph type="title"/>
+          </p:nvPr>
+        </p:nvSpPr>
+        <p:spPr>
+          <a:xfrm>
+            <a:off x="415636" y="154919"/>
+            <a:ext cx="6447501" cy="638569"/>
+          </a:xfrm>
+        </p:spPr>
+        <p:txBody>
+          <a:bodyPr>
+            <a:normAutofit fontScale="90000"/>
+          </a:bodyPr>
+          <a:lstStyle/>
+          <a:p>
+            <a:r>
+              <a:rPr lang="en-IN" sz="3300" b="1" dirty="0">
+                <a:solidFill>
+                  <a:schemeClr val="tx1"/>
+                </a:solidFill>
+                <a:latin typeface="Times New Roman" panose="02020603050405020304" pitchFamily="18" charset="0"/>
+                <a:cs typeface="Times New Roman" panose="02020603050405020304" pitchFamily="18" charset="0"/>
+              </a:rPr>
+              <a:t>4.1 Project Design – Proposed System</a:t>
+            </a:r>
+            <a:br>
+              <a:rPr lang="en-IN" dirty="0">
+                <a:solidFill>
+                  <a:schemeClr val="tx1"/>
+                </a:solidFill>
+              </a:rPr>
+            </a:br>
+            <a:br>
+              <a:rPr lang="en-IN" dirty="0">
+                <a:solidFill>
+                  <a:schemeClr val="tx1"/>
+                </a:solidFill>
+              </a:rPr>
+            </a:br>
+            <a:endParaRPr lang="en-IN" sz="2000" dirty="0">
+              <a:solidFill>
+                <a:schemeClr val="tx1"/>
+              </a:solidFill>
+              <a:latin typeface="Old Standard TT"/>
+            </a:endParaRPr>
+          </a:p>
+        </p:txBody>
+      </p:sp>
+      <p:sp>
+        <p:nvSpPr>
+          <p:cNvPr id="2" name="TextBox 1">
+            <a:extLst>
+              <a:ext uri="{FF2B5EF4-FFF2-40B4-BE49-F238E27FC236}">
+                <a16:creationId xmlns:a16="http://schemas.microsoft.com/office/drawing/2014/main" id="{C78E7EC3-02B7-47F4-BE08-F7A521CAFEEB}"/>
+              </a:ext>
+            </a:extLst>
+          </p:cNvPr>
           <p:cNvSpPr txBox="1"/>
           <p:nvPr/>
         </p:nvSpPr>
         <p:spPr>
           <a:xfrm>
-            <a:off x="311760" y="444960"/>
-            <a:ext cx="8520120" cy="612720"/>
+            <a:off x="415636" y="793488"/>
+            <a:ext cx="8312727" cy="4247317"/>
           </a:xfrm>
           <a:prstGeom prst="rect">
             <a:avLst/>
           </a:prstGeom>
           <a:noFill/>
-          <a:ln>
-            <a:noFill/>
-          </a:ln>
         </p:spPr>
         <p:txBody>
-          <a:bodyPr tIns="91440" bIns="91440">
-            <a:noAutofit/>
+          <a:bodyPr wrap="square" rtlCol="0">
+            <a:spAutoFit/>
           </a:bodyPr>
           <a:lstStyle/>
           <a:p>
-            <a:pPr>
-              <a:lnSpc>
-                <a:spcPct val="100000"/>
-              </a:lnSpc>
-              <a:tabLst>
-                <a:tab pos="0" algn="l"/>
-              </a:tabLst>
+            <a:pPr marL="285750" indent="-285750">
+              <a:buFont typeface="Arial" panose="020B0604020202020204" pitchFamily="34" charset="0"/>
+              <a:buChar char="•"/>
             </a:pPr>
             <a:r>
-              <a:rPr lang="en" sz="3000" b="1" spc="-1" dirty="0">
-                <a:solidFill>
-                  <a:srgbClr val="000000"/>
-                </a:solidFill>
-                <a:latin typeface="Times New Roman"/>
-                <a:ea typeface="Times New Roman"/>
+              <a:rPr lang="en-US" dirty="0">
+                <a:latin typeface="Old Standard TT"/>
               </a:rPr>
-              <a:t>3.3</a:t>
-            </a:r>
-            <a:r>
-              <a:rPr lang="en" sz="3000" b="1" strike="noStrike" spc="-1" dirty="0">
-                <a:solidFill>
-                  <a:srgbClr val="000000"/>
-                </a:solidFill>
-                <a:latin typeface="Times New Roman"/>
-                <a:ea typeface="Times New Roman"/>
+              <a:t>Our Encryption Website will have majorly 2 parts : </a:t>
+            </a:r>
+          </a:p>
+          <a:p>
+            <a:r>
+              <a:rPr lang="en-US" dirty="0">
+                <a:latin typeface="Old Standard TT"/>
               </a:rPr>
-              <a:t> Applications</a:t>
-            </a:r>
-            <a:endParaRPr lang="en-IN" sz="3000" b="0" strike="noStrike" spc="-1" dirty="0">
-              <a:solidFill>
-                <a:srgbClr val="000000"/>
-              </a:solidFill>
-              <a:latin typeface="Arial"/>
+              <a:t>	1.Text encryption</a:t>
+            </a:r>
+          </a:p>
+          <a:p>
+            <a:r>
+              <a:rPr lang="en-US" dirty="0">
+                <a:latin typeface="Old Standard TT"/>
+              </a:rPr>
+              <a:t>	2.File encryption</a:t>
+            </a:r>
+          </a:p>
+          <a:p>
+            <a:pPr marL="342900" indent="-342900">
+              <a:buFont typeface="Arial" panose="020B0604020202020204" pitchFamily="34" charset="0"/>
+              <a:buChar char="•"/>
+            </a:pPr>
+            <a:endParaRPr lang="en-US" dirty="0">
+              <a:latin typeface="Old Standard TT"/>
             </a:endParaRPr>
           </a:p>
-        </p:txBody>
-      </p:sp>
-      <p:sp>
-        <p:nvSpPr>
-          <p:cNvPr id="99" name="TextShape 2"/>
-          <p:cNvSpPr txBox="1"/>
-          <p:nvPr/>
-        </p:nvSpPr>
-        <p:spPr>
-          <a:xfrm>
-            <a:off x="311760" y="1171440"/>
-            <a:ext cx="8520120" cy="3396960"/>
-          </a:xfrm>
-          <a:prstGeom prst="rect">
-            <a:avLst/>
-          </a:prstGeom>
-          <a:noFill/>
-          <a:ln>
-            <a:noFill/>
-          </a:ln>
-        </p:spPr>
-        <p:txBody>
-          <a:bodyPr tIns="91440" bIns="91440">
-            <a:noAutofit/>
-          </a:bodyPr>
-          <a:lstStyle/>
-          <a:p>
-            <a:pPr marL="457200" indent="-342720">
-              <a:lnSpc>
-                <a:spcPct val="115000"/>
-              </a:lnSpc>
-              <a:buClr>
-                <a:srgbClr val="000000"/>
-              </a:buClr>
-              <a:buFont typeface="Old Standard TT"/>
-              <a:buChar char="●"/>
+          <a:p>
+            <a:pPr marL="285750" indent="-285750">
+              <a:buFont typeface="Arial" panose="020B0604020202020204" pitchFamily="34" charset="0"/>
+              <a:buChar char="•"/>
             </a:pPr>
             <a:r>
-              <a:rPr lang="en-US" sz="1800" b="0" strike="noStrike" spc="-1" dirty="0">
-                <a:solidFill>
-                  <a:srgbClr val="000000"/>
-                </a:solidFill>
+              <a:rPr lang="en-US" dirty="0">
                 <a:latin typeface="Old Standard TT"/>
-                <a:ea typeface="Old Standard TT"/>
               </a:rPr>
-              <a:t>Easy-to-use and Adaptable Customization.</a:t>
-            </a:r>
-          </a:p>
-          <a:p>
-            <a:pPr marL="457200" indent="-342720">
-              <a:lnSpc>
-                <a:spcPct val="115000"/>
-              </a:lnSpc>
-              <a:buClr>
-                <a:srgbClr val="000000"/>
-              </a:buClr>
-              <a:buFont typeface="Old Standard TT"/>
-              <a:buChar char="●"/>
+              <a:t>Inside the text encryption section the user will be provided with a textbox where the user can enter the text that they want to be encrypted and after clicking the encrypt button below it the user will receive an encrypted text in a textbox at the end of the page.</a:t>
+            </a:r>
+          </a:p>
+          <a:p>
+            <a:pPr marL="285750" indent="-285750">
+              <a:buFont typeface="Arial" panose="020B0604020202020204" pitchFamily="34" charset="0"/>
+              <a:buChar char="•"/>
             </a:pPr>
-            <a:endParaRPr lang="en-US" sz="1800" b="0" strike="noStrike" spc="-1" dirty="0">
-              <a:solidFill>
-                <a:srgbClr val="000000"/>
-              </a:solidFill>
+            <a:endParaRPr lang="en-US" dirty="0">
               <a:latin typeface="Old Standard TT"/>
-              <a:ea typeface="Old Standard TT"/>
             </a:endParaRPr>
           </a:p>
           <a:p>
-            <a:pPr marL="457200" indent="-342720">
-              <a:lnSpc>
-                <a:spcPct val="115000"/>
-              </a:lnSpc>
-              <a:buClr>
-                <a:srgbClr val="000000"/>
-              </a:buClr>
-              <a:buFont typeface="Old Standard TT"/>
-              <a:buChar char="●"/>
+            <a:pPr marL="285750" indent="-285750">
+              <a:buFont typeface="Arial" panose="020B0604020202020204" pitchFamily="34" charset="0"/>
+              <a:buChar char="•"/>
             </a:pPr>
             <a:r>
-              <a:rPr lang="en-US" sz="1800" b="0" strike="noStrike" spc="-1" dirty="0">
-                <a:solidFill>
-                  <a:srgbClr val="000000"/>
-                </a:solidFill>
+              <a:rPr lang="en-US" dirty="0">
                 <a:latin typeface="Old Standard TT"/>
-                <a:ea typeface="Old Standard TT"/>
               </a:rPr>
-              <a:t>Unique Font Styles and </a:t>
-            </a:r>
-            <a:r>
-              <a:rPr lang="en-US" sz="1800" b="0" strike="noStrike" spc="-1" dirty="0" err="1">
-                <a:solidFill>
-                  <a:srgbClr val="000000"/>
-                </a:solidFill>
+              <a:t>Inside the File Encryption section the user will have a option to select a file from their computer and upload it , after uploading the file and clicking on the encrypt button below it the user will get the password protected file which can be downloaded.</a:t>
+            </a:r>
+          </a:p>
+          <a:p>
+            <a:pPr marL="285750" indent="-285750">
+              <a:buFont typeface="Arial" panose="020B0604020202020204" pitchFamily="34" charset="0"/>
+              <a:buChar char="•"/>
+            </a:pPr>
+            <a:endParaRPr lang="en-US" dirty="0">
+              <a:latin typeface="Old Standard TT"/>
+            </a:endParaRPr>
+          </a:p>
+          <a:p>
+            <a:pPr marL="285750" indent="-285750">
+              <a:buFont typeface="Arial" panose="020B0604020202020204" pitchFamily="34" charset="0"/>
+              <a:buChar char="•"/>
+            </a:pPr>
+            <a:r>
+              <a:rPr lang="en-US" dirty="0">
                 <a:latin typeface="Old Standard TT"/>
-                <a:ea typeface="Old Standard TT"/>
               </a:rPr>
-              <a:t>Colour</a:t>
-            </a:r>
-            <a:r>
-              <a:rPr lang="en-US" sz="1800" b="0" strike="noStrike" spc="-1" dirty="0">
-                <a:solidFill>
-                  <a:srgbClr val="000000"/>
-                </a:solidFill>
-                <a:latin typeface="Old Standard TT"/>
-                <a:ea typeface="Old Standard TT"/>
-              </a:rPr>
-              <a:t> Variations.</a:t>
-            </a:r>
-          </a:p>
-          <a:p>
-            <a:pPr marL="114480">
-              <a:lnSpc>
-                <a:spcPct val="115000"/>
-              </a:lnSpc>
-              <a:buClr>
-                <a:srgbClr val="000000"/>
-              </a:buClr>
-            </a:pPr>
-            <a:r>
-              <a:rPr lang="en-US" sz="1800" b="0" strike="noStrike" spc="-1" dirty="0">
-                <a:solidFill>
-                  <a:srgbClr val="000000"/>
-                </a:solidFill>
-                <a:latin typeface="Old Standard TT"/>
-                <a:ea typeface="Old Standard TT"/>
-              </a:rPr>
-              <a:t> </a:t>
-            </a:r>
-          </a:p>
-          <a:p>
-            <a:pPr marL="457200" indent="-342720">
-              <a:lnSpc>
-                <a:spcPct val="115000"/>
-              </a:lnSpc>
-              <a:buClr>
-                <a:srgbClr val="000000"/>
-              </a:buClr>
-              <a:buFont typeface="Old Standard TT"/>
-              <a:buChar char="●"/>
-            </a:pPr>
-            <a:r>
-              <a:rPr lang="en-US" spc="-1" dirty="0" err="1">
-                <a:solidFill>
-                  <a:srgbClr val="000000"/>
-                </a:solidFill>
-                <a:latin typeface="Old Standard TT"/>
-                <a:ea typeface="Old Standard TT"/>
-              </a:rPr>
-              <a:t>P</a:t>
-            </a:r>
-            <a:r>
-              <a:rPr lang="en-US" sz="1800" b="0" strike="noStrike" spc="-1" dirty="0" err="1">
-                <a:solidFill>
-                  <a:srgbClr val="000000"/>
-                </a:solidFill>
-                <a:latin typeface="Old Standard TT"/>
-                <a:ea typeface="Old Standard TT"/>
-              </a:rPr>
-              <a:t>ersonalised</a:t>
-            </a:r>
-            <a:r>
-              <a:rPr lang="en-US" sz="1800" b="0" strike="noStrike" spc="-1" dirty="0">
-                <a:solidFill>
-                  <a:srgbClr val="000000"/>
-                </a:solidFill>
-                <a:latin typeface="Old Standard TT"/>
-                <a:ea typeface="Old Standard TT"/>
-              </a:rPr>
-              <a:t> modifiable theme.</a:t>
-            </a:r>
-          </a:p>
-          <a:p>
-            <a:pPr marL="457200" indent="-342720">
-              <a:lnSpc>
-                <a:spcPct val="115000"/>
-              </a:lnSpc>
-              <a:buClr>
-                <a:srgbClr val="000000"/>
-              </a:buClr>
-              <a:buFont typeface="Old Standard TT"/>
-              <a:buChar char="●"/>
-            </a:pPr>
-            <a:endParaRPr lang="en-US" sz="1800" b="0" strike="noStrike" spc="-1" dirty="0">
-              <a:solidFill>
-                <a:srgbClr val="000000"/>
-              </a:solidFill>
-              <a:latin typeface="Old Standard TT"/>
-              <a:ea typeface="Old Standard TT"/>
-            </a:endParaRPr>
-          </a:p>
-          <a:p>
-            <a:pPr marL="457200" indent="-342720">
-              <a:lnSpc>
-                <a:spcPct val="115000"/>
-              </a:lnSpc>
-              <a:buClr>
-                <a:srgbClr val="000000"/>
-              </a:buClr>
-              <a:buFont typeface="Old Standard TT"/>
-              <a:buChar char="●"/>
-            </a:pPr>
-            <a:r>
-              <a:rPr lang="en-US" sz="1800" b="0" strike="noStrike" spc="-1" dirty="0">
-                <a:solidFill>
-                  <a:srgbClr val="000000"/>
-                </a:solidFill>
-                <a:latin typeface="Old Standard TT"/>
-                <a:ea typeface="Old Standard TT"/>
-              </a:rPr>
-              <a:t>The application will help in providing various features like photo crops and resizable photo shapes.</a:t>
-            </a:r>
-            <a:r>
-              <a:rPr lang="en" sz="1800" b="0" strike="noStrike" spc="-1" dirty="0">
-                <a:solidFill>
-                  <a:srgbClr val="000000"/>
-                </a:solidFill>
-                <a:latin typeface="Old Standard TT"/>
-                <a:ea typeface="Old Standard TT"/>
-              </a:rPr>
-              <a:t>                                                              </a:t>
-            </a:r>
-            <a:endParaRPr lang="en-IN" sz="1800" b="0" strike="noStrike" spc="-1" dirty="0">
-              <a:solidFill>
-                <a:srgbClr val="000000"/>
-              </a:solidFill>
-              <a:latin typeface="Arial"/>
-            </a:endParaRPr>
-          </a:p>
-          <a:p>
-            <a:pPr>
-              <a:lnSpc>
-                <a:spcPct val="115000"/>
-              </a:lnSpc>
-            </a:pPr>
-            <a:endParaRPr lang="en-IN" sz="1800" b="0" strike="noStrike" spc="-1" dirty="0">
-              <a:solidFill>
-                <a:srgbClr val="000000"/>
-              </a:solidFill>
-              <a:latin typeface="Arial"/>
-            </a:endParaRPr>
+              <a:t>The user-Interface is very easy to understand and minimal in design.</a:t>
+            </a:r>
           </a:p>
         </p:txBody>
       </p:sp>
     </p:spTree>
     <p:extLst>
       <p:ext uri="{BB962C8B-B14F-4D97-AF65-F5344CB8AC3E}">
-        <p14:creationId xmlns:p14="http://schemas.microsoft.com/office/powerpoint/2010/main" val="2195857904"/>
+        <p14:creationId xmlns:p14="http://schemas.microsoft.com/office/powerpoint/2010/main" val="3215882174"/>
       </p:ext>
     </p:extLst>
   </p:cSld>
@@ -13860,119 +12791,6 @@
       </p:grpSpPr>
       <p:sp>
         <p:nvSpPr>
-          <p:cNvPr id="4" name="Title 3">
-            <a:extLst>
-              <a:ext uri="{FF2B5EF4-FFF2-40B4-BE49-F238E27FC236}">
-                <a16:creationId xmlns:a16="http://schemas.microsoft.com/office/drawing/2014/main" id="{F788EA88-4AB5-4A49-BBA1-CCC497A15157}"/>
-              </a:ext>
-            </a:extLst>
-          </p:cNvPr>
-          <p:cNvSpPr>
-            <a:spLocks noGrp="1"/>
-          </p:cNvSpPr>
-          <p:nvPr>
-            <p:ph type="title"/>
-          </p:nvPr>
-        </p:nvSpPr>
-        <p:spPr/>
-        <p:txBody>
-          <a:bodyPr>
-            <a:normAutofit fontScale="90000"/>
-          </a:bodyPr>
-          <a:lstStyle/>
-          <a:p>
-            <a:r>
-              <a:rPr lang="en-IN" sz="3300" b="1" dirty="0">
-                <a:solidFill>
-                  <a:schemeClr val="tx1"/>
-                </a:solidFill>
-                <a:latin typeface="Times New Roman" panose="02020603050405020304" pitchFamily="18" charset="0"/>
-                <a:cs typeface="Times New Roman" panose="02020603050405020304" pitchFamily="18" charset="0"/>
-              </a:rPr>
-              <a:t>4.1 Project Design – Proposed System</a:t>
-            </a:r>
-            <a:br>
-              <a:rPr lang="en-IN" dirty="0">
-                <a:solidFill>
-                  <a:schemeClr val="tx1"/>
-                </a:solidFill>
-              </a:rPr>
-            </a:br>
-            <a:br>
-              <a:rPr lang="en-IN" dirty="0">
-                <a:solidFill>
-                  <a:schemeClr val="tx1"/>
-                </a:solidFill>
-              </a:rPr>
-            </a:br>
-            <a:r>
-              <a:rPr lang="en-US" sz="2000" dirty="0">
-                <a:solidFill>
-                  <a:schemeClr val="tx1"/>
-                </a:solidFill>
-                <a:latin typeface="Old Standard TT"/>
-              </a:rPr>
-              <a:t>In this rapidly developing nation with technology brushing the sky gaining more and more users day by day, giving rise to a new futuristic civilization. There comes a concern of insurance. To make our world safer, we emerged with an idea called "</a:t>
-            </a:r>
-            <a:r>
-              <a:rPr lang="en-US" sz="2000" dirty="0" err="1">
-                <a:solidFill>
-                  <a:schemeClr val="tx1"/>
-                </a:solidFill>
-                <a:latin typeface="Old Standard TT"/>
-              </a:rPr>
-              <a:t>ICreate</a:t>
-            </a:r>
-            <a:r>
-              <a:rPr lang="en-US" sz="2000" dirty="0">
-                <a:solidFill>
-                  <a:schemeClr val="tx1"/>
-                </a:solidFill>
-                <a:latin typeface="Old Standard TT"/>
-              </a:rPr>
-              <a:t>". By initiating a website for all the active users. This website will take data from the user and will generate an identification card. This will assist in overseeing what the user is accomplishing. By using threshold segmentation and filtering process. Assuring everyone's safety.</a:t>
-            </a:r>
-            <a:endParaRPr lang="en-IN" sz="2000" dirty="0">
-              <a:solidFill>
-                <a:schemeClr val="tx1"/>
-              </a:solidFill>
-              <a:latin typeface="Old Standard TT"/>
-            </a:endParaRPr>
-          </a:p>
-        </p:txBody>
-      </p:sp>
-    </p:spTree>
-    <p:extLst>
-      <p:ext uri="{BB962C8B-B14F-4D97-AF65-F5344CB8AC3E}">
-        <p14:creationId xmlns:p14="http://schemas.microsoft.com/office/powerpoint/2010/main" val="3215882174"/>
-      </p:ext>
-    </p:extLst>
-  </p:cSld>
-  <p:clrMapOvr>
-    <a:masterClrMapping/>
-  </p:clrMapOvr>
-</p:sld>
-</file>
-
-<file path=ppt/slides/slide13.xml><?xml version="1.0" encoding="utf-8"?>
-<p:sld xmlns:a="http://schemas.openxmlformats.org/drawingml/2006/main" xmlns:r="http://schemas.openxmlformats.org/officeDocument/2006/relationships" xmlns:p="http://schemas.openxmlformats.org/presentationml/2006/main">
-  <p:cSld>
-    <p:spTree>
-      <p:nvGrpSpPr>
-        <p:cNvPr id="1" name=""/>
-        <p:cNvGrpSpPr/>
-        <p:nvPr/>
-      </p:nvGrpSpPr>
-      <p:grpSpPr>
-        <a:xfrm>
-          <a:off x="0" y="0"/>
-          <a:ext cx="0" cy="0"/>
-          <a:chOff x="0" y="0"/>
-          <a:chExt cx="0" cy="0"/>
-        </a:xfrm>
-      </p:grpSpPr>
-      <p:sp>
-        <p:nvSpPr>
           <p:cNvPr id="2" name="Title 1">
             <a:extLst>
               <a:ext uri="{FF2B5EF4-FFF2-40B4-BE49-F238E27FC236}">
@@ -13987,7 +12805,12 @@
             <p:ph type="title"/>
           </p:nvPr>
         </p:nvSpPr>
-        <p:spPr/>
+        <p:spPr>
+          <a:xfrm>
+            <a:off x="500444" y="137382"/>
+            <a:ext cx="6447501" cy="990600"/>
+          </a:xfrm>
+        </p:spPr>
         <p:txBody>
           <a:bodyPr>
             <a:normAutofit/>
@@ -14020,7 +12843,7 @@
           <p:nvPr>
             <p:extLst>
               <p:ext uri="{D42A27DB-BD31-4B8C-83A1-F6EECF244321}">
-                <p14:modId xmlns:p14="http://schemas.microsoft.com/office/powerpoint/2010/main" val="2202171545"/>
+                <p14:modId xmlns:p14="http://schemas.microsoft.com/office/powerpoint/2010/main" val="753946159"/>
               </p:ext>
             </p:extLst>
           </p:nvPr>
@@ -14035,6 +12858,36 @@
           </a:graphicData>
         </a:graphic>
       </p:graphicFrame>
+      <p:pic>
+        <p:nvPicPr>
+          <p:cNvPr id="4" name="Picture 3">
+            <a:extLst>
+              <a:ext uri="{FF2B5EF4-FFF2-40B4-BE49-F238E27FC236}">
+                <a16:creationId xmlns:a16="http://schemas.microsoft.com/office/drawing/2014/main" id="{D139868F-820B-4579-94B4-32E3F6E81095}"/>
+              </a:ext>
+            </a:extLst>
+          </p:cNvPr>
+          <p:cNvPicPr>
+            <a:picLocks noChangeAspect="1"/>
+          </p:cNvPicPr>
+          <p:nvPr/>
+        </p:nvPicPr>
+        <p:blipFill>
+          <a:blip r:embed="rId7"/>
+          <a:stretch>
+            <a:fillRect/>
+          </a:stretch>
+        </p:blipFill>
+        <p:spPr>
+          <a:xfrm>
+            <a:off x="0" y="694676"/>
+            <a:ext cx="6679120" cy="4448824"/>
+          </a:xfrm>
+          <a:prstGeom prst="rect">
+            <a:avLst/>
+          </a:prstGeom>
+        </p:spPr>
+      </p:pic>
     </p:spTree>
     <p:extLst>
       <p:ext uri="{BB962C8B-B14F-4D97-AF65-F5344CB8AC3E}">
@@ -14048,7 +12901,7 @@
 </p:sld>
 </file>
 
-<file path=ppt/slides/slide14.xml><?xml version="1.0" encoding="utf-8"?>
+<file path=ppt/slides/slide13.xml><?xml version="1.0" encoding="utf-8"?>
 <p:sld xmlns:a="http://schemas.openxmlformats.org/drawingml/2006/main" xmlns:r="http://schemas.openxmlformats.org/officeDocument/2006/relationships" xmlns:p="http://schemas.openxmlformats.org/presentationml/2006/main">
   <p:cSld>
     <p:spTree>
@@ -14078,7 +12931,7 @@
 </p:sld>
 </file>
 
-<file path=ppt/slides/slide15.xml><?xml version="1.0" encoding="utf-8"?>
+<file path=ppt/slides/slide14.xml><?xml version="1.0" encoding="utf-8"?>
 <p:sld xmlns:a="http://schemas.openxmlformats.org/drawingml/2006/main" xmlns:r="http://schemas.openxmlformats.org/officeDocument/2006/relationships" xmlns:p="http://schemas.openxmlformats.org/presentationml/2006/main">
   <p:cSld>
     <p:spTree>
@@ -16385,7 +15238,7 @@
                 <a:latin typeface="Times New Roman"/>
                 <a:ea typeface="Times New Roman"/>
               </a:rPr>
-              <a:t>3.1</a:t>
+              <a:t>3.2</a:t>
             </a:r>
             <a:r>
               <a:rPr lang="en" sz="3000" b="1" strike="noStrike" spc="-1" dirty="0">
@@ -16395,7 +15248,7 @@
                 <a:latin typeface="Times New Roman"/>
                 <a:ea typeface="Times New Roman"/>
               </a:rPr>
-              <a:t> Benefits for environment </a:t>
+              <a:t> Benefits for Society</a:t>
             </a:r>
             <a:endParaRPr lang="en-IN" sz="3000" b="0" strike="noStrike" spc="-1" dirty="0">
               <a:solidFill>
@@ -16442,51 +15295,15 @@
               <a:buChar char="●"/>
             </a:pPr>
             <a:r>
-              <a:rPr lang="en-US" sz="1800" b="0" strike="noStrike" spc="-1" dirty="0">
+              <a:rPr lang="en-US" sz="2000" b="0" strike="noStrike" spc="-1" dirty="0">
                 <a:solidFill>
                   <a:srgbClr val="000000"/>
                 </a:solidFill>
                 <a:latin typeface="Old Standard TT"/>
                 <a:ea typeface="Old Standard TT"/>
               </a:rPr>
-              <a:t>It is beneficial to environment because it doesn’t required any plastic or paper for making Id card.</a:t>
-            </a:r>
-            <a:r>
-              <a:rPr lang="en" sz="1800" b="0" strike="noStrike" spc="-1" dirty="0">
-                <a:solidFill>
-                  <a:srgbClr val="000000"/>
-                </a:solidFill>
-                <a:latin typeface="Old Standard TT"/>
-                <a:ea typeface="Old Standard TT"/>
-              </a:rPr>
-              <a:t> </a:t>
-            </a:r>
-          </a:p>
-          <a:p>
-            <a:pPr marL="114480">
-              <a:lnSpc>
-                <a:spcPct val="115000"/>
-              </a:lnSpc>
-              <a:buClr>
-                <a:srgbClr val="000000"/>
-              </a:buClr>
-            </a:pPr>
-            <a:r>
-              <a:rPr lang="en" sz="1800" b="0" strike="noStrike" spc="-1" dirty="0">
-                <a:solidFill>
-                  <a:srgbClr val="000000"/>
-                </a:solidFill>
-                <a:latin typeface="Old Standard TT"/>
-                <a:ea typeface="Old Standard TT"/>
-              </a:rPr>
-              <a:t>                                  </a:t>
-            </a:r>
-            <a:endParaRPr lang="en-IN" sz="1800" b="0" strike="noStrike" spc="-1" dirty="0">
-              <a:solidFill>
-                <a:srgbClr val="000000"/>
-              </a:solidFill>
-              <a:latin typeface="Arial"/>
-            </a:endParaRPr>
+              <a:t>Encryption is Cheap to Implement</a:t>
+            </a:r>
           </a:p>
           <a:p>
             <a:pPr marL="457200" indent="-342720">
@@ -16499,16 +15316,13 @@
               <a:buFont typeface="Old Standard TT"/>
               <a:buChar char="●"/>
             </a:pPr>
-            <a:r>
-              <a:rPr lang="en" sz="1800" b="0" strike="noStrike" spc="-1" dirty="0">
-                <a:solidFill>
-                  <a:srgbClr val="000000"/>
-                </a:solidFill>
-                <a:latin typeface="Old Standard TT"/>
-                <a:ea typeface="Old Standard TT"/>
-              </a:rPr>
-              <a:t>No extra garbage will be produced.</a:t>
-            </a:r>
+            <a:endParaRPr lang="en-US" sz="2000" b="0" strike="noStrike" spc="-1" dirty="0">
+              <a:solidFill>
+                <a:srgbClr val="000000"/>
+              </a:solidFill>
+              <a:latin typeface="Old Standard TT"/>
+              <a:ea typeface="Old Standard TT"/>
+            </a:endParaRPr>
           </a:p>
           <a:p>
             <a:pPr marL="457200" indent="-342720">
@@ -16521,13 +15335,16 @@
               <a:buFont typeface="Old Standard TT"/>
               <a:buChar char="●"/>
             </a:pPr>
-            <a:endParaRPr lang="en" sz="1800" b="0" strike="noStrike" spc="-1" dirty="0">
-              <a:solidFill>
-                <a:srgbClr val="000000"/>
-              </a:solidFill>
-              <a:latin typeface="Old Standard TT"/>
-              <a:ea typeface="Old Standard TT"/>
-            </a:endParaRPr>
+            <a:r>
+              <a:rPr lang="en-US" sz="2000" b="0" strike="noStrike" spc="-1" dirty="0">
+                <a:solidFill>
+                  <a:srgbClr val="000000"/>
+                </a:solidFill>
+                <a:latin typeface="Old Standard TT"/>
+                <a:ea typeface="Old Standard TT"/>
+              </a:rPr>
+              <a:t>Encryption Can Save You from Regulatory Fines</a:t>
+            </a:r>
           </a:p>
           <a:p>
             <a:pPr marL="457200" indent="-342720">
@@ -16540,31 +15357,132 @@
               <a:buFont typeface="Old Standard TT"/>
               <a:buChar char="●"/>
             </a:pPr>
-            <a:r>
-              <a:rPr lang="en" spc="-1" dirty="0">
+            <a:endParaRPr lang="en-US" sz="2000" b="0" strike="noStrike" spc="-1" dirty="0">
+              <a:solidFill>
+                <a:srgbClr val="000000"/>
+              </a:solidFill>
+              <a:latin typeface="Old Standard TT"/>
+              <a:ea typeface="Old Standard TT"/>
+            </a:endParaRPr>
+          </a:p>
+          <a:p>
+            <a:pPr marL="457200" indent="-342720">
+              <a:lnSpc>
+                <a:spcPct val="115000"/>
+              </a:lnSpc>
+              <a:buClr>
+                <a:srgbClr val="000000"/>
+              </a:buClr>
+              <a:buFont typeface="Old Standard TT"/>
+              <a:buChar char="●"/>
+            </a:pPr>
+            <a:r>
+              <a:rPr lang="en-US" sz="2000" b="0" strike="noStrike" spc="-1" dirty="0">
                 <a:solidFill>
                   <a:srgbClr val="000000"/>
                 </a:solidFill>
                 <a:latin typeface="Old Standard TT"/>
                 <a:ea typeface="Old Standard TT"/>
               </a:rPr>
-              <a:t>Electronic Identification Card are the best for environment.</a:t>
-            </a:r>
-            <a:r>
-              <a:rPr lang="en" sz="1800" b="0" strike="noStrike" spc="-1" dirty="0">
+              <a:t>Encryption Can Help to Protect Remote Workers</a:t>
+            </a:r>
+          </a:p>
+          <a:p>
+            <a:pPr marL="457200" indent="-342720">
+              <a:lnSpc>
+                <a:spcPct val="115000"/>
+              </a:lnSpc>
+              <a:buClr>
+                <a:srgbClr val="000000"/>
+              </a:buClr>
+              <a:buFont typeface="Old Standard TT"/>
+              <a:buChar char="●"/>
+            </a:pPr>
+            <a:endParaRPr lang="en-US" sz="2000" b="0" strike="noStrike" spc="-1" dirty="0">
+              <a:solidFill>
+                <a:srgbClr val="000000"/>
+              </a:solidFill>
+              <a:latin typeface="Old Standard TT"/>
+              <a:ea typeface="Old Standard TT"/>
+            </a:endParaRPr>
+          </a:p>
+          <a:p>
+            <a:pPr marL="457200" indent="-342720">
+              <a:lnSpc>
+                <a:spcPct val="115000"/>
+              </a:lnSpc>
+              <a:buClr>
+                <a:srgbClr val="000000"/>
+              </a:buClr>
+              <a:buFont typeface="Old Standard TT"/>
+              <a:buChar char="●"/>
+            </a:pPr>
+            <a:r>
+              <a:rPr lang="en-US" sz="2000" b="0" strike="noStrike" spc="-1" dirty="0">
                 <a:solidFill>
                   <a:srgbClr val="000000"/>
                 </a:solidFill>
                 <a:latin typeface="Old Standard TT"/>
                 <a:ea typeface="Old Standard TT"/>
               </a:rPr>
-              <a:t>                                                   </a:t>
-            </a:r>
-            <a:endParaRPr lang="en-IN" sz="1800" b="0" strike="noStrike" spc="-1" dirty="0">
+              <a:t>Encryption Increases the Integrity of Our Data</a:t>
+            </a:r>
+          </a:p>
+          <a:p>
+            <a:pPr marL="457200" indent="-342720">
+              <a:lnSpc>
+                <a:spcPct val="115000"/>
+              </a:lnSpc>
+              <a:buClr>
+                <a:srgbClr val="000000"/>
+              </a:buClr>
+              <a:buFont typeface="Old Standard TT"/>
+              <a:buChar char="●"/>
+            </a:pPr>
+            <a:endParaRPr lang="en-US" sz="2000" b="0" strike="noStrike" spc="-1" dirty="0">
               <a:solidFill>
                 <a:srgbClr val="000000"/>
               </a:solidFill>
-              <a:latin typeface="Arial"/>
+              <a:latin typeface="Old Standard TT"/>
+              <a:ea typeface="Old Standard TT"/>
+            </a:endParaRPr>
+          </a:p>
+          <a:p>
+            <a:pPr marL="457200" indent="-342720">
+              <a:lnSpc>
+                <a:spcPct val="115000"/>
+              </a:lnSpc>
+              <a:buClr>
+                <a:srgbClr val="000000"/>
+              </a:buClr>
+              <a:buFont typeface="Old Standard TT"/>
+              <a:buChar char="●"/>
+            </a:pPr>
+            <a:r>
+              <a:rPr lang="en-US" sz="2000" b="0" strike="noStrike" spc="-1" dirty="0">
+                <a:solidFill>
+                  <a:srgbClr val="000000"/>
+                </a:solidFill>
+                <a:latin typeface="Old Standard TT"/>
+                <a:ea typeface="Old Standard TT"/>
+              </a:rPr>
+              <a:t>Encryption Can Increase Consumer Trust</a:t>
+            </a:r>
+            <a:r>
+              <a:rPr lang="en" sz="2000" b="0" strike="noStrike" spc="-1" dirty="0">
+                <a:solidFill>
+                  <a:srgbClr val="000000"/>
+                </a:solidFill>
+                <a:latin typeface="Old Standard TT"/>
+                <a:ea typeface="Old Standard TT"/>
+              </a:rPr>
+              <a:t>                                    </a:t>
+            </a:r>
+            <a:endParaRPr lang="en-IN" sz="2000" b="0" strike="noStrike" spc="-1" dirty="0">
+              <a:solidFill>
+                <a:srgbClr val="000000"/>
+              </a:solidFill>
+              <a:latin typeface="Old Standard TT"/>
             </a:endParaRPr>
           </a:p>
           <a:p>
@@ -16583,6 +15501,11 @@
         </p:txBody>
       </p:sp>
     </p:spTree>
+    <p:extLst>
+      <p:ext uri="{BB962C8B-B14F-4D97-AF65-F5344CB8AC3E}">
+        <p14:creationId xmlns:p14="http://schemas.microsoft.com/office/powerpoint/2010/main" val="2819646261"/>
+      </p:ext>
+    </p:extLst>
   </p:cSld>
   <p:clrMapOvr>
     <a:masterClrMapping/>
